--- a/OCAS/Nicholas Bwalley_PowerPoint_122790.pptx
+++ b/OCAS/Nicholas Bwalley_PowerPoint_122790.pptx
@@ -3641,11 +3641,104 @@
           <a:p>
             <a:pPr algn="l"/>
             <a:r>
-              <a:rPr lang="en-US" sz="2000" dirty="0" smtClean="0">
+              <a:rPr lang="en-US" sz="2400" dirty="0" smtClean="0">
                 <a:latin typeface="Times New Roman" pitchFamily="18" charset="0"/>
                 <a:cs typeface="Times New Roman" pitchFamily="18" charset="0"/>
               </a:rPr>
-              <a:t>OCAS: An online CAR AUCTIONING SYSTEM TO AID COMPTENCY IN AUCTIONING AND BIDDING OF CARS</a:t>
+              <a:t>OCAS: An online CAR AUCTIONING SYSTEM TO AID COMPTENCY IN AUCTIONING AND BIDDING </a:t>
+            </a:r>
+            <a:r>
+              <a:rPr lang="en-US" sz="2400" smtClean="0">
+                <a:latin typeface="Times New Roman" pitchFamily="18" charset="0"/>
+                <a:cs typeface="Times New Roman" pitchFamily="18" charset="0"/>
+              </a:rPr>
+              <a:t>OF </a:t>
+            </a:r>
+            <a:r>
+              <a:rPr lang="en-US" sz="2400" smtClean="0">
+                <a:latin typeface="Times New Roman" pitchFamily="18" charset="0"/>
+                <a:cs typeface="Times New Roman" pitchFamily="18" charset="0"/>
+              </a:rPr>
+              <a:t>CARS</a:t>
+            </a:r>
+            <a:br>
+              <a:rPr lang="en-US" sz="2400" smtClean="0">
+                <a:latin typeface="Times New Roman" pitchFamily="18" charset="0"/>
+                <a:cs typeface="Times New Roman" pitchFamily="18" charset="0"/>
+              </a:rPr>
+            </a:br>
+            <a:r>
+              <a:rPr lang="en-US" sz="2400" smtClean="0">
+                <a:latin typeface="Times New Roman" pitchFamily="18" charset="0"/>
+                <a:cs typeface="Times New Roman" pitchFamily="18" charset="0"/>
+              </a:rPr>
+              <a:t/>
+            </a:r>
+            <a:br>
+              <a:rPr lang="en-US" sz="2400" smtClean="0">
+                <a:latin typeface="Times New Roman" pitchFamily="18" charset="0"/>
+                <a:cs typeface="Times New Roman" pitchFamily="18" charset="0"/>
+              </a:rPr>
+            </a:br>
+            <a:r>
+              <a:rPr lang="en-US" sz="2400">
+                <a:latin typeface="Times New Roman" pitchFamily="18" charset="0"/>
+                <a:cs typeface="Times New Roman" pitchFamily="18" charset="0"/>
+              </a:rPr>
+              <a:t/>
+            </a:r>
+            <a:br>
+              <a:rPr lang="en-US" sz="2400">
+                <a:latin typeface="Times New Roman" pitchFamily="18" charset="0"/>
+                <a:cs typeface="Times New Roman" pitchFamily="18" charset="0"/>
+              </a:rPr>
+            </a:br>
+            <a:r>
+              <a:rPr lang="en-US" sz="2400" smtClean="0">
+                <a:latin typeface="Times New Roman" pitchFamily="18" charset="0"/>
+                <a:cs typeface="Times New Roman" pitchFamily="18" charset="0"/>
+              </a:rPr>
+              <a:t>NAME:  B</a:t>
+            </a:r>
+            <a:r>
+              <a:rPr lang="en-US" sz="2400" smtClean="0">
+                <a:latin typeface="Times New Roman" pitchFamily="18" charset="0"/>
+                <a:cs typeface="Times New Roman" pitchFamily="18" charset="0"/>
+              </a:rPr>
+              <a:t>WALLEY NICHOLAS </a:t>
+            </a:r>
+            <a:br>
+              <a:rPr lang="en-US" sz="2400" smtClean="0">
+                <a:latin typeface="Times New Roman" pitchFamily="18" charset="0"/>
+                <a:cs typeface="Times New Roman" pitchFamily="18" charset="0"/>
+              </a:rPr>
+            </a:br>
+            <a:r>
+              <a:rPr lang="en-US" sz="2400" smtClean="0">
+                <a:latin typeface="Times New Roman" pitchFamily="18" charset="0"/>
+                <a:cs typeface="Times New Roman" pitchFamily="18" charset="0"/>
+              </a:rPr>
+              <a:t>STDNO: 122790</a:t>
+            </a:r>
+            <a:r>
+              <a:rPr lang="en-US" sz="2400">
+                <a:latin typeface="Times New Roman" pitchFamily="18" charset="0"/>
+                <a:cs typeface="Times New Roman" pitchFamily="18" charset="0"/>
+              </a:rPr>
+              <a:t/>
+            </a:r>
+            <a:br>
+              <a:rPr lang="en-US" sz="2400">
+                <a:latin typeface="Times New Roman" pitchFamily="18" charset="0"/>
+                <a:cs typeface="Times New Roman" pitchFamily="18" charset="0"/>
+              </a:rPr>
+            </a:br>
+            <a:r>
+              <a:rPr lang="en-US" sz="2400" smtClean="0">
+                <a:latin typeface="Times New Roman" pitchFamily="18" charset="0"/>
+                <a:cs typeface="Times New Roman" pitchFamily="18" charset="0"/>
+              </a:rPr>
+              <a:t>SUPERVISOR: JOSEPH MUNGAI</a:t>
             </a:r>
             <a:r>
               <a:rPr lang="en-US" dirty="0" smtClean="0"/>

--- a/OCAS/Nicholas Bwalley_PowerPoint_122790.pptx
+++ b/OCAS/Nicholas Bwalley_PowerPoint_122790.pptx
@@ -6,6 +6,15 @@
   </p:sldMasterIdLst>
   <p:sldIdLst>
     <p:sldId id="256" r:id="rId2"/>
+    <p:sldId id="257" r:id="rId3"/>
+    <p:sldId id="258" r:id="rId4"/>
+    <p:sldId id="259" r:id="rId5"/>
+    <p:sldId id="260" r:id="rId6"/>
+    <p:sldId id="261" r:id="rId7"/>
+    <p:sldId id="262" r:id="rId8"/>
+    <p:sldId id="263" r:id="rId9"/>
+    <p:sldId id="264" r:id="rId10"/>
+    <p:sldId id="265" r:id="rId11"/>
   </p:sldIdLst>
   <p:sldSz cx="9144000" cy="6858000" type="screen4x3"/>
   <p:notesSz cx="6858000" cy="9144000"/>
@@ -3645,96 +3654,95 @@
                 <a:latin typeface="Times New Roman" pitchFamily="18" charset="0"/>
                 <a:cs typeface="Times New Roman" pitchFamily="18" charset="0"/>
               </a:rPr>
-              <a:t>OCAS: An online CAR AUCTIONING SYSTEM TO AID COMPTENCY IN AUCTIONING AND BIDDING </a:t>
-            </a:r>
-            <a:r>
-              <a:rPr lang="en-US" sz="2400" smtClean="0">
-                <a:latin typeface="Times New Roman" pitchFamily="18" charset="0"/>
-                <a:cs typeface="Times New Roman" pitchFamily="18" charset="0"/>
-              </a:rPr>
-              <a:t>OF </a:t>
-            </a:r>
-            <a:r>
-              <a:rPr lang="en-US" sz="2400" smtClean="0">
-                <a:latin typeface="Times New Roman" pitchFamily="18" charset="0"/>
-                <a:cs typeface="Times New Roman" pitchFamily="18" charset="0"/>
-              </a:rPr>
-              <a:t>CARS</a:t>
+              <a:t/>
             </a:r>
             <a:br>
-              <a:rPr lang="en-US" sz="2400" smtClean="0">
+              <a:rPr lang="en-US" sz="2400" dirty="0" smtClean="0">
                 <a:latin typeface="Times New Roman" pitchFamily="18" charset="0"/>
                 <a:cs typeface="Times New Roman" pitchFamily="18" charset="0"/>
               </a:rPr>
             </a:br>
             <a:r>
-              <a:rPr lang="en-US" sz="2400" smtClean="0">
+              <a:rPr lang="en-US" sz="2400" dirty="0" smtClean="0">
+                <a:latin typeface="Times New Roman" pitchFamily="18" charset="0"/>
+                <a:cs typeface="Times New Roman" pitchFamily="18" charset="0"/>
+              </a:rPr>
+              <a:t>OCAS</a:t>
+            </a:r>
+            <a:r>
+              <a:rPr lang="en-US" sz="2400" dirty="0" smtClean="0">
+                <a:latin typeface="Times New Roman" pitchFamily="18" charset="0"/>
+                <a:cs typeface="Times New Roman" pitchFamily="18" charset="0"/>
+              </a:rPr>
+              <a:t>: An online CAR AUCTIONING SYSTEM TO AID COMPTENCY IN AUCTIONING AND BIDDING OF CARS</a:t>
+            </a:r>
+            <a:br>
+              <a:rPr lang="en-US" sz="2400" dirty="0" smtClean="0">
+                <a:latin typeface="Times New Roman" pitchFamily="18" charset="0"/>
+                <a:cs typeface="Times New Roman" pitchFamily="18" charset="0"/>
+              </a:rPr>
+            </a:br>
+            <a:r>
+              <a:rPr lang="en-US" sz="2400" dirty="0" smtClean="0">
                 <a:latin typeface="Times New Roman" pitchFamily="18" charset="0"/>
                 <a:cs typeface="Times New Roman" pitchFamily="18" charset="0"/>
               </a:rPr>
               <a:t/>
             </a:r>
             <a:br>
-              <a:rPr lang="en-US" sz="2400" smtClean="0">
+              <a:rPr lang="en-US" sz="2400" dirty="0" smtClean="0">
                 <a:latin typeface="Times New Roman" pitchFamily="18" charset="0"/>
                 <a:cs typeface="Times New Roman" pitchFamily="18" charset="0"/>
               </a:rPr>
             </a:br>
             <a:r>
-              <a:rPr lang="en-US" sz="2400">
+              <a:rPr lang="en-US" sz="2400" dirty="0">
                 <a:latin typeface="Times New Roman" pitchFamily="18" charset="0"/>
                 <a:cs typeface="Times New Roman" pitchFamily="18" charset="0"/>
               </a:rPr>
               <a:t/>
             </a:r>
             <a:br>
-              <a:rPr lang="en-US" sz="2400">
+              <a:rPr lang="en-US" sz="2400" dirty="0">
                 <a:latin typeface="Times New Roman" pitchFamily="18" charset="0"/>
                 <a:cs typeface="Times New Roman" pitchFamily="18" charset="0"/>
               </a:rPr>
             </a:br>
             <a:r>
-              <a:rPr lang="en-US" sz="2400" smtClean="0">
+              <a:rPr lang="en-US" sz="2400" dirty="0" smtClean="0">
                 <a:latin typeface="Times New Roman" pitchFamily="18" charset="0"/>
                 <a:cs typeface="Times New Roman" pitchFamily="18" charset="0"/>
               </a:rPr>
-              <a:t>NAME:  B</a:t>
-            </a:r>
-            <a:r>
-              <a:rPr lang="en-US" sz="2400" smtClean="0">
-                <a:latin typeface="Times New Roman" pitchFamily="18" charset="0"/>
-                <a:cs typeface="Times New Roman" pitchFamily="18" charset="0"/>
-              </a:rPr>
-              <a:t>WALLEY NICHOLAS </a:t>
+              <a:t>NAME:  BWALLEY NICHOLAS </a:t>
             </a:r>
             <a:br>
-              <a:rPr lang="en-US" sz="2400" smtClean="0">
+              <a:rPr lang="en-US" sz="2400" dirty="0" smtClean="0">
                 <a:latin typeface="Times New Roman" pitchFamily="18" charset="0"/>
                 <a:cs typeface="Times New Roman" pitchFamily="18" charset="0"/>
               </a:rPr>
             </a:br>
             <a:r>
-              <a:rPr lang="en-US" sz="2400" smtClean="0">
+              <a:rPr lang="en-US" sz="2400" dirty="0" smtClean="0">
                 <a:latin typeface="Times New Roman" pitchFamily="18" charset="0"/>
                 <a:cs typeface="Times New Roman" pitchFamily="18" charset="0"/>
               </a:rPr>
               <a:t>STDNO: 122790</a:t>
             </a:r>
             <a:r>
-              <a:rPr lang="en-US" sz="2400">
+              <a:rPr lang="en-US" sz="2400" dirty="0">
                 <a:latin typeface="Times New Roman" pitchFamily="18" charset="0"/>
                 <a:cs typeface="Times New Roman" pitchFamily="18" charset="0"/>
               </a:rPr>
               <a:t/>
             </a:r>
             <a:br>
-              <a:rPr lang="en-US" sz="2400">
+              <a:rPr lang="en-US" sz="2400" dirty="0">
                 <a:latin typeface="Times New Roman" pitchFamily="18" charset="0"/>
                 <a:cs typeface="Times New Roman" pitchFamily="18" charset="0"/>
               </a:rPr>
             </a:br>
             <a:r>
-              <a:rPr lang="en-US" sz="2400" smtClean="0">
+              <a:rPr lang="en-US" sz="2400" dirty="0" smtClean="0">
                 <a:latin typeface="Times New Roman" pitchFamily="18" charset="0"/>
                 <a:cs typeface="Times New Roman" pitchFamily="18" charset="0"/>
               </a:rPr>
@@ -3768,6 +3776,276 @@
       </p:par>
     </p:tnLst>
   </p:timing>
+</p:sld>
+</file>
+
+<file path=ppt/slides/slide10.xml><?xml version="1.0" encoding="utf-8"?>
+<p:sld xmlns:a="http://schemas.openxmlformats.org/drawingml/2006/main" xmlns:r="http://schemas.openxmlformats.org/officeDocument/2006/relationships" xmlns:p="http://schemas.openxmlformats.org/presentationml/2006/main">
+  <p:cSld>
+    <p:spTree>
+      <p:nvGrpSpPr>
+        <p:cNvPr id="1" name=""/>
+        <p:cNvGrpSpPr/>
+        <p:nvPr/>
+      </p:nvGrpSpPr>
+      <p:grpSpPr>
+        <a:xfrm>
+          <a:off x="0" y="0"/>
+          <a:ext cx="0" cy="0"/>
+          <a:chOff x="0" y="0"/>
+          <a:chExt cx="0" cy="0"/>
+        </a:xfrm>
+      </p:grpSpPr>
+    </p:spTree>
+    <p:extLst>
+      <p:ext uri="{BB962C8B-B14F-4D97-AF65-F5344CB8AC3E}">
+        <p14:creationId xmlns:p14="http://schemas.microsoft.com/office/powerpoint/2010/main" val="1980746619"/>
+      </p:ext>
+    </p:extLst>
+  </p:cSld>
+  <p:clrMapOvr>
+    <a:masterClrMapping/>
+  </p:clrMapOvr>
+</p:sld>
+</file>
+
+<file path=ppt/slides/slide2.xml><?xml version="1.0" encoding="utf-8"?>
+<p:sld xmlns:a="http://schemas.openxmlformats.org/drawingml/2006/main" xmlns:r="http://schemas.openxmlformats.org/officeDocument/2006/relationships" xmlns:p="http://schemas.openxmlformats.org/presentationml/2006/main">
+  <p:cSld>
+    <p:spTree>
+      <p:nvGrpSpPr>
+        <p:cNvPr id="1" name=""/>
+        <p:cNvGrpSpPr/>
+        <p:nvPr/>
+      </p:nvGrpSpPr>
+      <p:grpSpPr>
+        <a:xfrm>
+          <a:off x="0" y="0"/>
+          <a:ext cx="0" cy="0"/>
+          <a:chOff x="0" y="0"/>
+          <a:chExt cx="0" cy="0"/>
+        </a:xfrm>
+      </p:grpSpPr>
+    </p:spTree>
+    <p:extLst>
+      <p:ext uri="{BB962C8B-B14F-4D97-AF65-F5344CB8AC3E}">
+        <p14:creationId xmlns:p14="http://schemas.microsoft.com/office/powerpoint/2010/main" val="1577544460"/>
+      </p:ext>
+    </p:extLst>
+  </p:cSld>
+  <p:clrMapOvr>
+    <a:masterClrMapping/>
+  </p:clrMapOvr>
+</p:sld>
+</file>
+
+<file path=ppt/slides/slide3.xml><?xml version="1.0" encoding="utf-8"?>
+<p:sld xmlns:a="http://schemas.openxmlformats.org/drawingml/2006/main" xmlns:r="http://schemas.openxmlformats.org/officeDocument/2006/relationships" xmlns:p="http://schemas.openxmlformats.org/presentationml/2006/main">
+  <p:cSld>
+    <p:spTree>
+      <p:nvGrpSpPr>
+        <p:cNvPr id="1" name=""/>
+        <p:cNvGrpSpPr/>
+        <p:nvPr/>
+      </p:nvGrpSpPr>
+      <p:grpSpPr>
+        <a:xfrm>
+          <a:off x="0" y="0"/>
+          <a:ext cx="0" cy="0"/>
+          <a:chOff x="0" y="0"/>
+          <a:chExt cx="0" cy="0"/>
+        </a:xfrm>
+      </p:grpSpPr>
+    </p:spTree>
+    <p:extLst>
+      <p:ext uri="{BB962C8B-B14F-4D97-AF65-F5344CB8AC3E}">
+        <p14:creationId xmlns:p14="http://schemas.microsoft.com/office/powerpoint/2010/main" val="3655926080"/>
+      </p:ext>
+    </p:extLst>
+  </p:cSld>
+  <p:clrMapOvr>
+    <a:masterClrMapping/>
+  </p:clrMapOvr>
+</p:sld>
+</file>
+
+<file path=ppt/slides/slide4.xml><?xml version="1.0" encoding="utf-8"?>
+<p:sld xmlns:a="http://schemas.openxmlformats.org/drawingml/2006/main" xmlns:r="http://schemas.openxmlformats.org/officeDocument/2006/relationships" xmlns:p="http://schemas.openxmlformats.org/presentationml/2006/main">
+  <p:cSld>
+    <p:spTree>
+      <p:nvGrpSpPr>
+        <p:cNvPr id="1" name=""/>
+        <p:cNvGrpSpPr/>
+        <p:nvPr/>
+      </p:nvGrpSpPr>
+      <p:grpSpPr>
+        <a:xfrm>
+          <a:off x="0" y="0"/>
+          <a:ext cx="0" cy="0"/>
+          <a:chOff x="0" y="0"/>
+          <a:chExt cx="0" cy="0"/>
+        </a:xfrm>
+      </p:grpSpPr>
+    </p:spTree>
+    <p:extLst>
+      <p:ext uri="{BB962C8B-B14F-4D97-AF65-F5344CB8AC3E}">
+        <p14:creationId xmlns:p14="http://schemas.microsoft.com/office/powerpoint/2010/main" val="2779100160"/>
+      </p:ext>
+    </p:extLst>
+  </p:cSld>
+  <p:clrMapOvr>
+    <a:masterClrMapping/>
+  </p:clrMapOvr>
+</p:sld>
+</file>
+
+<file path=ppt/slides/slide5.xml><?xml version="1.0" encoding="utf-8"?>
+<p:sld xmlns:a="http://schemas.openxmlformats.org/drawingml/2006/main" xmlns:r="http://schemas.openxmlformats.org/officeDocument/2006/relationships" xmlns:p="http://schemas.openxmlformats.org/presentationml/2006/main">
+  <p:cSld>
+    <p:spTree>
+      <p:nvGrpSpPr>
+        <p:cNvPr id="1" name=""/>
+        <p:cNvGrpSpPr/>
+        <p:nvPr/>
+      </p:nvGrpSpPr>
+      <p:grpSpPr>
+        <a:xfrm>
+          <a:off x="0" y="0"/>
+          <a:ext cx="0" cy="0"/>
+          <a:chOff x="0" y="0"/>
+          <a:chExt cx="0" cy="0"/>
+        </a:xfrm>
+      </p:grpSpPr>
+    </p:spTree>
+    <p:extLst>
+      <p:ext uri="{BB962C8B-B14F-4D97-AF65-F5344CB8AC3E}">
+        <p14:creationId xmlns:p14="http://schemas.microsoft.com/office/powerpoint/2010/main" val="161744223"/>
+      </p:ext>
+    </p:extLst>
+  </p:cSld>
+  <p:clrMapOvr>
+    <a:masterClrMapping/>
+  </p:clrMapOvr>
+</p:sld>
+</file>
+
+<file path=ppt/slides/slide6.xml><?xml version="1.0" encoding="utf-8"?>
+<p:sld xmlns:a="http://schemas.openxmlformats.org/drawingml/2006/main" xmlns:r="http://schemas.openxmlformats.org/officeDocument/2006/relationships" xmlns:p="http://schemas.openxmlformats.org/presentationml/2006/main">
+  <p:cSld>
+    <p:spTree>
+      <p:nvGrpSpPr>
+        <p:cNvPr id="1" name=""/>
+        <p:cNvGrpSpPr/>
+        <p:nvPr/>
+      </p:nvGrpSpPr>
+      <p:grpSpPr>
+        <a:xfrm>
+          <a:off x="0" y="0"/>
+          <a:ext cx="0" cy="0"/>
+          <a:chOff x="0" y="0"/>
+          <a:chExt cx="0" cy="0"/>
+        </a:xfrm>
+      </p:grpSpPr>
+    </p:spTree>
+    <p:extLst>
+      <p:ext uri="{BB962C8B-B14F-4D97-AF65-F5344CB8AC3E}">
+        <p14:creationId xmlns:p14="http://schemas.microsoft.com/office/powerpoint/2010/main" val="1097781845"/>
+      </p:ext>
+    </p:extLst>
+  </p:cSld>
+  <p:clrMapOvr>
+    <a:masterClrMapping/>
+  </p:clrMapOvr>
+</p:sld>
+</file>
+
+<file path=ppt/slides/slide7.xml><?xml version="1.0" encoding="utf-8"?>
+<p:sld xmlns:a="http://schemas.openxmlformats.org/drawingml/2006/main" xmlns:r="http://schemas.openxmlformats.org/officeDocument/2006/relationships" xmlns:p="http://schemas.openxmlformats.org/presentationml/2006/main">
+  <p:cSld>
+    <p:spTree>
+      <p:nvGrpSpPr>
+        <p:cNvPr id="1" name=""/>
+        <p:cNvGrpSpPr/>
+        <p:nvPr/>
+      </p:nvGrpSpPr>
+      <p:grpSpPr>
+        <a:xfrm>
+          <a:off x="0" y="0"/>
+          <a:ext cx="0" cy="0"/>
+          <a:chOff x="0" y="0"/>
+          <a:chExt cx="0" cy="0"/>
+        </a:xfrm>
+      </p:grpSpPr>
+    </p:spTree>
+    <p:extLst>
+      <p:ext uri="{BB962C8B-B14F-4D97-AF65-F5344CB8AC3E}">
+        <p14:creationId xmlns:p14="http://schemas.microsoft.com/office/powerpoint/2010/main" val="3561473880"/>
+      </p:ext>
+    </p:extLst>
+  </p:cSld>
+  <p:clrMapOvr>
+    <a:masterClrMapping/>
+  </p:clrMapOvr>
+</p:sld>
+</file>
+
+<file path=ppt/slides/slide8.xml><?xml version="1.0" encoding="utf-8"?>
+<p:sld xmlns:a="http://schemas.openxmlformats.org/drawingml/2006/main" xmlns:r="http://schemas.openxmlformats.org/officeDocument/2006/relationships" xmlns:p="http://schemas.openxmlformats.org/presentationml/2006/main">
+  <p:cSld>
+    <p:spTree>
+      <p:nvGrpSpPr>
+        <p:cNvPr id="1" name=""/>
+        <p:cNvGrpSpPr/>
+        <p:nvPr/>
+      </p:nvGrpSpPr>
+      <p:grpSpPr>
+        <a:xfrm>
+          <a:off x="0" y="0"/>
+          <a:ext cx="0" cy="0"/>
+          <a:chOff x="0" y="0"/>
+          <a:chExt cx="0" cy="0"/>
+        </a:xfrm>
+      </p:grpSpPr>
+    </p:spTree>
+    <p:extLst>
+      <p:ext uri="{BB962C8B-B14F-4D97-AF65-F5344CB8AC3E}">
+        <p14:creationId xmlns:p14="http://schemas.microsoft.com/office/powerpoint/2010/main" val="2842899949"/>
+      </p:ext>
+    </p:extLst>
+  </p:cSld>
+  <p:clrMapOvr>
+    <a:masterClrMapping/>
+  </p:clrMapOvr>
+</p:sld>
+</file>
+
+<file path=ppt/slides/slide9.xml><?xml version="1.0" encoding="utf-8"?>
+<p:sld xmlns:a="http://schemas.openxmlformats.org/drawingml/2006/main" xmlns:r="http://schemas.openxmlformats.org/officeDocument/2006/relationships" xmlns:p="http://schemas.openxmlformats.org/presentationml/2006/main">
+  <p:cSld>
+    <p:spTree>
+      <p:nvGrpSpPr>
+        <p:cNvPr id="1" name=""/>
+        <p:cNvGrpSpPr/>
+        <p:nvPr/>
+      </p:nvGrpSpPr>
+      <p:grpSpPr>
+        <a:xfrm>
+          <a:off x="0" y="0"/>
+          <a:ext cx="0" cy="0"/>
+          <a:chOff x="0" y="0"/>
+          <a:chExt cx="0" cy="0"/>
+        </a:xfrm>
+      </p:grpSpPr>
+    </p:spTree>
+    <p:extLst>
+      <p:ext uri="{BB962C8B-B14F-4D97-AF65-F5344CB8AC3E}">
+        <p14:creationId xmlns:p14="http://schemas.microsoft.com/office/powerpoint/2010/main" val="340011065"/>
+      </p:ext>
+    </p:extLst>
+  </p:cSld>
+  <p:clrMapOvr>
+    <a:masterClrMapping/>
+  </p:clrMapOvr>
 </p:sld>
 </file>
 

--- a/OCAS/Nicholas Bwalley_PowerPoint_122790.pptx
+++ b/OCAS/Nicholas Bwalley_PowerPoint_122790.pptx
@@ -3648,7 +3648,11 @@
           </a:bodyPr>
           <a:lstStyle/>
           <a:p>
-            <a:pPr algn="l"/>
+            <a:pPr algn="l">
+              <a:lnSpc>
+                <a:spcPct val="150000"/>
+              </a:lnSpc>
+            </a:pPr>
             <a:r>
               <a:rPr lang="en-US" sz="2400" dirty="0" smtClean="0">
                 <a:latin typeface="Times New Roman" pitchFamily="18" charset="0"/>
@@ -3667,14 +3671,7 @@
                 <a:latin typeface="Times New Roman" pitchFamily="18" charset="0"/>
                 <a:cs typeface="Times New Roman" pitchFamily="18" charset="0"/>
               </a:rPr>
-              <a:t>OCAS</a:t>
-            </a:r>
-            <a:r>
-              <a:rPr lang="en-US" sz="2400" dirty="0" smtClean="0">
-                <a:latin typeface="Times New Roman" pitchFamily="18" charset="0"/>
-                <a:cs typeface="Times New Roman" pitchFamily="18" charset="0"/>
-              </a:rPr>
-              <a:t>: An online CAR AUCTIONING SYSTEM TO AID COMPTENCY IN AUCTIONING AND BIDDING OF CARS</a:t>
+              <a:t>OCAS: An online CAR AUCTIONING SYSTEM TO AID COMPTENCY IN AUCTIONING AND BIDDING OF CARS</a:t>
             </a:r>
             <a:br>
               <a:rPr lang="en-US" sz="2400" dirty="0" smtClean="0">

--- a/OCAS/Nicholas Bwalley_PowerPoint_122790.pptx
+++ b/OCAS/Nicholas Bwalley_PowerPoint_122790.pptx
@@ -3823,6 +3823,59 @@
           <a:chExt cx="0" cy="0"/>
         </a:xfrm>
       </p:grpSpPr>
+      <p:sp>
+        <p:nvSpPr>
+          <p:cNvPr id="3" name="TextBox 2"/>
+          <p:cNvSpPr txBox="1"/>
+          <p:nvPr/>
+        </p:nvSpPr>
+        <p:spPr>
+          <a:xfrm>
+            <a:off x="152400" y="76200"/>
+            <a:ext cx="8839200" cy="4247317"/>
+          </a:xfrm>
+          <a:prstGeom prst="rect">
+            <a:avLst/>
+          </a:prstGeom>
+          <a:noFill/>
+        </p:spPr>
+        <p:txBody>
+          <a:bodyPr wrap="square" rtlCol="0">
+            <a:spAutoFit/>
+          </a:bodyPr>
+          <a:lstStyle/>
+          <a:p>
+            <a:r>
+              <a:rPr lang="en-US" dirty="0" smtClean="0"/>
+              <a:t>PROBLEM STATEMENT</a:t>
+            </a:r>
+          </a:p>
+          <a:p>
+            <a:r>
+              <a:rPr lang="en-US" dirty="0" smtClean="0"/>
+              <a:t>Recently car transportation from one place to another was done mostly through means of road and railway. Auctioning in the current manual system was carried out at a specific location at times far from the auctioneers place whereby people would agree where they want the auction site to be at a certain place. So the auctioneer used to spend extra charges to transport their goods to the auction site and sometimes return with them without getting a suitable bidder. In addition, the owner sometimes used to hire a broker to help him sell a car at a certain commission rate. </a:t>
+            </a:r>
+          </a:p>
+          <a:p>
+            <a:r>
+              <a:rPr lang="en-US" dirty="0" smtClean="0"/>
+              <a:t>However the broker used to hike the price higher than the given auction price to get a higher profit plus the benefit of still getting the commission price agreed.  </a:t>
+            </a:r>
+          </a:p>
+          <a:p>
+            <a:r>
+              <a:rPr lang="en-US" dirty="0" smtClean="0"/>
+              <a:t>Therefore problem experienced in the current manual system is over-exaggerated car prices set by the car brokers’ given the tender to auction cars to potential buyers.</a:t>
+            </a:r>
+          </a:p>
+          <a:p>
+            <a:r>
+              <a:rPr lang="en-US" dirty="0" smtClean="0"/>
+              <a:t>The Over-exaggerated car prices makes the potential buyers not to buy the car because the price set is not directly proportional to the car they are promised by the brokers.</a:t>
+            </a:r>
+          </a:p>
+        </p:txBody>
+      </p:sp>
     </p:spTree>
     <p:extLst>
       <p:ext uri="{BB962C8B-B14F-4D97-AF65-F5344CB8AC3E}">

--- a/OCAS/Nicholas Bwalley_PowerPoint_122790.pptx
+++ b/OCAS/Nicholas Bwalley_PowerPoint_122790.pptx
@@ -3906,6 +3906,89 @@
           <a:chExt cx="0" cy="0"/>
         </a:xfrm>
       </p:grpSpPr>
+      <p:sp>
+        <p:nvSpPr>
+          <p:cNvPr id="2" name="TextBox 1"/>
+          <p:cNvSpPr txBox="1"/>
+          <p:nvPr/>
+        </p:nvSpPr>
+        <p:spPr>
+          <a:xfrm>
+            <a:off x="76200" y="76200"/>
+            <a:ext cx="8991600" cy="2862322"/>
+          </a:xfrm>
+          <a:prstGeom prst="rect">
+            <a:avLst/>
+          </a:prstGeom>
+          <a:noFill/>
+        </p:spPr>
+        <p:txBody>
+          <a:bodyPr wrap="square" rtlCol="0">
+            <a:spAutoFit/>
+          </a:bodyPr>
+          <a:lstStyle/>
+          <a:p>
+            <a:r>
+              <a:rPr lang="en-US" dirty="0" smtClean="0"/>
+              <a:t>LITERATURE REVIEW</a:t>
+            </a:r>
+          </a:p>
+          <a:p>
+            <a:r>
+              <a:rPr lang="en-US" dirty="0" smtClean="0"/>
+              <a:t>2.1 Introduction</a:t>
+            </a:r>
+          </a:p>
+          <a:p>
+            <a:r>
+              <a:rPr lang="en-US" dirty="0" smtClean="0"/>
+              <a:t>2.2 Auctioning process in Kenya </a:t>
+            </a:r>
+          </a:p>
+          <a:p>
+            <a:r>
+              <a:rPr lang="en-US" dirty="0" smtClean="0"/>
+              <a:t>2.2.1 Challenges Faced by Auctioneers in Kenya </a:t>
+            </a:r>
+          </a:p>
+          <a:p>
+            <a:r>
+              <a:rPr lang="en-US" dirty="0" smtClean="0"/>
+              <a:t>2.3 Related Works </a:t>
+            </a:r>
+          </a:p>
+          <a:p>
+            <a:r>
+              <a:rPr lang="en-US" dirty="0" smtClean="0"/>
+              <a:t>2.3.1 E-Bay</a:t>
+            </a:r>
+          </a:p>
+          <a:p>
+            <a:r>
+              <a:rPr lang="en-US" dirty="0" smtClean="0"/>
+              <a:t>2.3.2 Auto Auction Mall </a:t>
+            </a:r>
+          </a:p>
+          <a:p>
+            <a:r>
+              <a:rPr lang="en-US" dirty="0" smtClean="0"/>
+              <a:t>2.3.3 Salvage Bid</a:t>
+            </a:r>
+          </a:p>
+          <a:p>
+            <a:r>
+              <a:rPr lang="en-US" dirty="0" smtClean="0"/>
+              <a:t>2.4 Gaps of the Existing System</a:t>
+            </a:r>
+          </a:p>
+          <a:p>
+            <a:r>
+              <a:rPr lang="en-US" dirty="0" smtClean="0"/>
+              <a:t>2.5 Conceptual Framework</a:t>
+            </a:r>
+          </a:p>
+        </p:txBody>
+      </p:sp>
     </p:spTree>
     <p:extLst>
       <p:ext uri="{BB962C8B-B14F-4D97-AF65-F5344CB8AC3E}">
@@ -3936,6 +4019,28 @@
           <a:chExt cx="0" cy="0"/>
         </a:xfrm>
       </p:grpSpPr>
+      <p:pic>
+        <p:nvPicPr>
+          <p:cNvPr id="3" name="Picture 2"/>
+          <p:cNvPicPr/>
+          <p:nvPr/>
+        </p:nvPicPr>
+        <p:blipFill>
+          <a:blip r:embed="rId2"/>
+          <a:stretch>
+            <a:fillRect/>
+          </a:stretch>
+        </p:blipFill>
+        <p:spPr>
+          <a:xfrm>
+            <a:off x="0" y="0"/>
+            <a:ext cx="9144000" cy="6858000"/>
+          </a:xfrm>
+          <a:prstGeom prst="rect">
+            <a:avLst/>
+          </a:prstGeom>
+        </p:spPr>
+      </p:pic>
     </p:spTree>
     <p:extLst>
       <p:ext uri="{BB962C8B-B14F-4D97-AF65-F5344CB8AC3E}">

--- a/OCAS/Nicholas Bwalley_PowerPoint_122790.pptx
+++ b/OCAS/Nicholas Bwalley_PowerPoint_122790.pptx
@@ -4071,6 +4071,71 @@
           <a:chExt cx="0" cy="0"/>
         </a:xfrm>
       </p:grpSpPr>
+      <p:sp>
+        <p:nvSpPr>
+          <p:cNvPr id="2" name="TextBox 1"/>
+          <p:cNvSpPr txBox="1"/>
+          <p:nvPr/>
+        </p:nvSpPr>
+        <p:spPr>
+          <a:xfrm>
+            <a:off x="304800" y="304800"/>
+            <a:ext cx="8686800" cy="2031325"/>
+          </a:xfrm>
+          <a:prstGeom prst="rect">
+            <a:avLst/>
+          </a:prstGeom>
+          <a:noFill/>
+        </p:spPr>
+        <p:txBody>
+          <a:bodyPr wrap="square" rtlCol="0">
+            <a:spAutoFit/>
+          </a:bodyPr>
+          <a:lstStyle/>
+          <a:p>
+            <a:r>
+              <a:rPr lang="en-US" dirty="0" smtClean="0"/>
+              <a:t>Chapter 3: Methodology </a:t>
+            </a:r>
+          </a:p>
+          <a:p>
+            <a:r>
+              <a:rPr lang="en-US" dirty="0" smtClean="0"/>
+              <a:t>3.1 Introduction </a:t>
+            </a:r>
+          </a:p>
+          <a:p>
+            <a:pPr marL="285750" indent="-285750">
+              <a:buFontTx/>
+              <a:buChar char="-"/>
+            </a:pPr>
+            <a:r>
+              <a:rPr lang="en-US" dirty="0" smtClean="0"/>
+              <a:t>System methodology OOAD(Capturing real-world object in current scenario of importance to the system. Data Structures as Opposed to the procedural structure. Objects are identified and their relationship between each other. </a:t>
+            </a:r>
+          </a:p>
+          <a:p>
+            <a:r>
+              <a:rPr lang="en-US" dirty="0" smtClean="0"/>
+              <a:t>3.2 System Development Approach </a:t>
+            </a:r>
+          </a:p>
+          <a:p>
+            <a:pPr marL="285750" indent="-285750">
+              <a:buFontTx/>
+              <a:buChar char="-"/>
+            </a:pPr>
+            <a:r>
+              <a:rPr lang="en-US" dirty="0" smtClean="0"/>
+              <a:t>Modified waterfall methodology (</a:t>
+            </a:r>
+            <a:r>
+              <a:rPr lang="en-US" smtClean="0"/>
+              <a:t>sequentially implemented)</a:t>
+            </a:r>
+          </a:p>
+        </p:txBody>
+      </p:sp>
     </p:spTree>
     <p:extLst>
       <p:ext uri="{BB962C8B-B14F-4D97-AF65-F5344CB8AC3E}">

--- a/OCAS/Nicholas Bwalley_PowerPoint_122790.pptx
+++ b/OCAS/Nicholas Bwalley_PowerPoint_122790.pptx
@@ -15,6 +15,8 @@
     <p:sldId id="263" r:id="rId9"/>
     <p:sldId id="264" r:id="rId10"/>
     <p:sldId id="265" r:id="rId11"/>
+    <p:sldId id="266" r:id="rId12"/>
+    <p:sldId id="267" r:id="rId13"/>
   </p:sldIdLst>
   <p:sldSz cx="9144000" cy="6858000" type="screen4x3"/>
   <p:notesSz cx="6858000" cy="9144000"/>
@@ -3793,6 +3795,58 @@
           <a:chExt cx="0" cy="0"/>
         </a:xfrm>
       </p:grpSpPr>
+      <p:sp>
+        <p:nvSpPr>
+          <p:cNvPr id="2" name="TextBox 1"/>
+          <p:cNvSpPr txBox="1"/>
+          <p:nvPr/>
+        </p:nvSpPr>
+        <p:spPr>
+          <a:xfrm>
+            <a:off x="2514600" y="76200"/>
+            <a:ext cx="4038600" cy="369332"/>
+          </a:xfrm>
+          <a:prstGeom prst="rect">
+            <a:avLst/>
+          </a:prstGeom>
+          <a:noFill/>
+        </p:spPr>
+        <p:txBody>
+          <a:bodyPr wrap="square" rtlCol="0">
+            <a:spAutoFit/>
+          </a:bodyPr>
+          <a:lstStyle/>
+          <a:p>
+            <a:r>
+              <a:rPr lang="en-US" dirty="0" smtClean="0"/>
+              <a:t>ENTITY RELATIONSHIP DIAGRAM</a:t>
+            </a:r>
+            <a:endParaRPr lang="en-US" dirty="0"/>
+          </a:p>
+        </p:txBody>
+      </p:sp>
+      <p:pic>
+        <p:nvPicPr>
+          <p:cNvPr id="3" name="Picture 2"/>
+          <p:cNvPicPr/>
+          <p:nvPr/>
+        </p:nvPicPr>
+        <p:blipFill>
+          <a:blip r:embed="rId2"/>
+          <a:stretch>
+            <a:fillRect/>
+          </a:stretch>
+        </p:blipFill>
+        <p:spPr>
+          <a:xfrm>
+            <a:off x="0" y="445532"/>
+            <a:ext cx="9144000" cy="6412467"/>
+          </a:xfrm>
+          <a:prstGeom prst="rect">
+            <a:avLst/>
+          </a:prstGeom>
+        </p:spPr>
+      </p:pic>
     </p:spTree>
     <p:extLst>
       <p:ext uri="{BB962C8B-B14F-4D97-AF65-F5344CB8AC3E}">
@@ -3803,6 +3857,352 @@
   <p:clrMapOvr>
     <a:masterClrMapping/>
   </p:clrMapOvr>
+</p:sld>
+</file>
+
+<file path=ppt/slides/slide11.xml><?xml version="1.0" encoding="utf-8"?>
+<p:sld xmlns:a="http://schemas.openxmlformats.org/drawingml/2006/main" xmlns:r="http://schemas.openxmlformats.org/officeDocument/2006/relationships" xmlns:p="http://schemas.openxmlformats.org/presentationml/2006/main">
+  <p:cSld>
+    <p:spTree>
+      <p:nvGrpSpPr>
+        <p:cNvPr id="1" name=""/>
+        <p:cNvGrpSpPr/>
+        <p:nvPr/>
+      </p:nvGrpSpPr>
+      <p:grpSpPr>
+        <a:xfrm>
+          <a:off x="0" y="0"/>
+          <a:ext cx="0" cy="0"/>
+          <a:chOff x="0" y="0"/>
+          <a:chExt cx="0" cy="0"/>
+        </a:xfrm>
+      </p:grpSpPr>
+      <p:sp>
+        <p:nvSpPr>
+          <p:cNvPr id="4" name="TextBox 3"/>
+          <p:cNvSpPr txBox="1"/>
+          <p:nvPr/>
+        </p:nvSpPr>
+        <p:spPr>
+          <a:xfrm>
+            <a:off x="2590800" y="0"/>
+            <a:ext cx="4114800" cy="646331"/>
+          </a:xfrm>
+          <a:prstGeom prst="rect">
+            <a:avLst/>
+          </a:prstGeom>
+          <a:noFill/>
+        </p:spPr>
+        <p:txBody>
+          <a:bodyPr wrap="square" rtlCol="0">
+            <a:spAutoFit/>
+          </a:bodyPr>
+          <a:lstStyle/>
+          <a:p>
+            <a:r>
+              <a:rPr lang="en-US" dirty="0" smtClean="0"/>
+              <a:t>DATABASE SCHEMA </a:t>
+            </a:r>
+          </a:p>
+          <a:p>
+            <a:endParaRPr lang="en-US" dirty="0"/>
+          </a:p>
+        </p:txBody>
+      </p:sp>
+      <p:pic>
+        <p:nvPicPr>
+          <p:cNvPr id="5" name="Picture 4"/>
+          <p:cNvPicPr/>
+          <p:nvPr/>
+        </p:nvPicPr>
+        <p:blipFill>
+          <a:blip r:embed="rId2"/>
+          <a:stretch>
+            <a:fillRect/>
+          </a:stretch>
+        </p:blipFill>
+        <p:spPr>
+          <a:xfrm>
+            <a:off x="0" y="457201"/>
+            <a:ext cx="9144000" cy="6400800"/>
+          </a:xfrm>
+          <a:prstGeom prst="rect">
+            <a:avLst/>
+          </a:prstGeom>
+        </p:spPr>
+      </p:pic>
+    </p:spTree>
+    <p:extLst>
+      <p:ext uri="{BB962C8B-B14F-4D97-AF65-F5344CB8AC3E}">
+        <p14:creationId xmlns:p14="http://schemas.microsoft.com/office/powerpoint/2010/main" val="2798201682"/>
+      </p:ext>
+    </p:extLst>
+  </p:cSld>
+  <p:clrMapOvr>
+    <a:masterClrMapping/>
+  </p:clrMapOvr>
+  <p:timing>
+    <p:tnLst>
+      <p:par>
+        <p:cTn id="1" dur="indefinite" restart="never" nodeType="tmRoot"/>
+      </p:par>
+    </p:tnLst>
+  </p:timing>
+</p:sld>
+</file>
+
+<file path=ppt/slides/slide12.xml><?xml version="1.0" encoding="utf-8"?>
+<p:sld xmlns:a="http://schemas.openxmlformats.org/drawingml/2006/main" xmlns:r="http://schemas.openxmlformats.org/officeDocument/2006/relationships" xmlns:p="http://schemas.openxmlformats.org/presentationml/2006/main">
+  <p:cSld>
+    <p:spTree>
+      <p:nvGrpSpPr>
+        <p:cNvPr id="1" name=""/>
+        <p:cNvGrpSpPr/>
+        <p:nvPr/>
+      </p:nvGrpSpPr>
+      <p:grpSpPr>
+        <a:xfrm>
+          <a:off x="0" y="0"/>
+          <a:ext cx="0" cy="0"/>
+          <a:chOff x="0" y="0"/>
+          <a:chExt cx="0" cy="0"/>
+        </a:xfrm>
+      </p:grpSpPr>
+      <p:sp>
+        <p:nvSpPr>
+          <p:cNvPr id="2" name="TextBox 1"/>
+          <p:cNvSpPr txBox="1"/>
+          <p:nvPr/>
+        </p:nvSpPr>
+        <p:spPr>
+          <a:xfrm>
+            <a:off x="854612" y="457200"/>
+            <a:ext cx="7467600" cy="4708981"/>
+          </a:xfrm>
+          <a:prstGeom prst="rect">
+            <a:avLst/>
+          </a:prstGeom>
+          <a:noFill/>
+        </p:spPr>
+        <p:txBody>
+          <a:bodyPr wrap="square" rtlCol="0">
+            <a:spAutoFit/>
+          </a:bodyPr>
+          <a:lstStyle/>
+          <a:p>
+            <a:r>
+              <a:rPr lang="en-US" sz="6000" dirty="0" smtClean="0">
+                <a:solidFill>
+                  <a:srgbClr val="00B0F0"/>
+                </a:solidFill>
+                <a:effectLst>
+                  <a:outerShdw blurRad="38100" dist="38100" dir="2700000" algn="tl">
+                    <a:srgbClr val="000000">
+                      <a:alpha val="43137"/>
+                    </a:srgbClr>
+                  </a:outerShdw>
+                </a:effectLst>
+                <a:latin typeface="Times New Roman" pitchFamily="18" charset="0"/>
+                <a:cs typeface="Times New Roman" pitchFamily="18" charset="0"/>
+              </a:rPr>
+              <a:t>THANK YOU!... </a:t>
+            </a:r>
+            <a:endParaRPr lang="en-US" sz="6000" dirty="0">
+              <a:solidFill>
+                <a:srgbClr val="00B0F0"/>
+              </a:solidFill>
+              <a:effectLst>
+                <a:outerShdw blurRad="38100" dist="38100" dir="2700000" algn="tl">
+                  <a:srgbClr val="000000">
+                    <a:alpha val="43137"/>
+                  </a:srgbClr>
+                </a:outerShdw>
+              </a:effectLst>
+              <a:latin typeface="Times New Roman" pitchFamily="18" charset="0"/>
+              <a:cs typeface="Times New Roman" pitchFamily="18" charset="0"/>
+            </a:endParaRPr>
+          </a:p>
+          <a:p>
+            <a:r>
+              <a:rPr lang="en-US" sz="6000" dirty="0" smtClean="0">
+                <a:solidFill>
+                  <a:srgbClr val="00B0F0"/>
+                </a:solidFill>
+                <a:effectLst>
+                  <a:outerShdw blurRad="38100" dist="38100" dir="2700000" algn="tl">
+                    <a:srgbClr val="000000">
+                      <a:alpha val="43137"/>
+                    </a:srgbClr>
+                  </a:outerShdw>
+                </a:effectLst>
+                <a:latin typeface="Times New Roman" pitchFamily="18" charset="0"/>
+                <a:cs typeface="Times New Roman" pitchFamily="18" charset="0"/>
+              </a:rPr>
+              <a:t>NOW WE GO TO THE SYSTEM DEMO!... </a:t>
+            </a:r>
+          </a:p>
+          <a:p>
+            <a:endParaRPr lang="en-US" sz="6000" dirty="0">
+              <a:solidFill>
+                <a:srgbClr val="00B0F0"/>
+              </a:solidFill>
+              <a:effectLst>
+                <a:outerShdw blurRad="38100" dist="38100" dir="2700000" algn="tl">
+                  <a:srgbClr val="000000">
+                    <a:alpha val="43137"/>
+                  </a:srgbClr>
+                </a:outerShdw>
+              </a:effectLst>
+              <a:latin typeface="Times New Roman" pitchFamily="18" charset="0"/>
+              <a:cs typeface="Times New Roman" pitchFamily="18" charset="0"/>
+            </a:endParaRPr>
+          </a:p>
+        </p:txBody>
+      </p:sp>
+    </p:spTree>
+    <p:extLst>
+      <p:ext uri="{BB962C8B-B14F-4D97-AF65-F5344CB8AC3E}">
+        <p14:creationId xmlns:p14="http://schemas.microsoft.com/office/powerpoint/2010/main" val="1936120859"/>
+      </p:ext>
+    </p:extLst>
+  </p:cSld>
+  <p:clrMapOvr>
+    <a:masterClrMapping/>
+  </p:clrMapOvr>
+  <p:timing>
+    <p:tnLst>
+      <p:par>
+        <p:cTn id="1" dur="indefinite" restart="never" nodeType="tmRoot">
+          <p:childTnLst>
+            <p:seq concurrent="1" nextAc="seek">
+              <p:cTn id="2" dur="indefinite" nodeType="mainSeq">
+                <p:childTnLst>
+                  <p:par>
+                    <p:cTn id="3" fill="hold">
+                      <p:stCondLst>
+                        <p:cond delay="indefinite"/>
+                      </p:stCondLst>
+                      <p:childTnLst>
+                        <p:par>
+                          <p:cTn id="4" fill="hold">
+                            <p:stCondLst>
+                              <p:cond delay="0"/>
+                            </p:stCondLst>
+                            <p:childTnLst>
+                              <p:par>
+                                <p:cTn id="5" presetID="6" presetClass="entr" presetSubtype="16" fill="hold" nodeType="clickEffect">
+                                  <p:stCondLst>
+                                    <p:cond delay="0"/>
+                                  </p:stCondLst>
+                                  <p:childTnLst>
+                                    <p:set>
+                                      <p:cBhvr>
+                                        <p:cTn id="6" dur="1" fill="hold">
+                                          <p:stCondLst>
+                                            <p:cond delay="0"/>
+                                          </p:stCondLst>
+                                        </p:cTn>
+                                        <p:tgtEl>
+                                          <p:spTgt spid="2">
+                                            <p:txEl>
+                                              <p:pRg st="0" end="0"/>
+                                            </p:txEl>
+                                          </p:spTgt>
+                                        </p:tgtEl>
+                                        <p:attrNameLst>
+                                          <p:attrName>style.visibility</p:attrName>
+                                        </p:attrNameLst>
+                                      </p:cBhvr>
+                                      <p:to>
+                                        <p:strVal val="visible"/>
+                                      </p:to>
+                                    </p:set>
+                                    <p:animEffect transition="in" filter="circle(in)">
+                                      <p:cBhvr>
+                                        <p:cTn id="7" dur="2000"/>
+                                        <p:tgtEl>
+                                          <p:spTgt spid="2">
+                                            <p:txEl>
+                                              <p:pRg st="0" end="0"/>
+                                            </p:txEl>
+                                          </p:spTgt>
+                                        </p:tgtEl>
+                                      </p:cBhvr>
+                                    </p:animEffect>
+                                  </p:childTnLst>
+                                </p:cTn>
+                              </p:par>
+                              <p:par>
+                                <p:cTn id="8" presetID="6" presetClass="entr" presetSubtype="16" fill="hold" nodeType="withEffect">
+                                  <p:stCondLst>
+                                    <p:cond delay="0"/>
+                                  </p:stCondLst>
+                                  <p:childTnLst>
+                                    <p:set>
+                                      <p:cBhvr>
+                                        <p:cTn id="9" dur="1" fill="hold">
+                                          <p:stCondLst>
+                                            <p:cond delay="0"/>
+                                          </p:stCondLst>
+                                        </p:cTn>
+                                        <p:tgtEl>
+                                          <p:spTgt spid="2">
+                                            <p:txEl>
+                                              <p:pRg st="1" end="1"/>
+                                            </p:txEl>
+                                          </p:spTgt>
+                                        </p:tgtEl>
+                                        <p:attrNameLst>
+                                          <p:attrName>style.visibility</p:attrName>
+                                        </p:attrNameLst>
+                                      </p:cBhvr>
+                                      <p:to>
+                                        <p:strVal val="visible"/>
+                                      </p:to>
+                                    </p:set>
+                                    <p:animEffect transition="in" filter="circle(in)">
+                                      <p:cBhvr>
+                                        <p:cTn id="10" dur="2000"/>
+                                        <p:tgtEl>
+                                          <p:spTgt spid="2">
+                                            <p:txEl>
+                                              <p:pRg st="1" end="1"/>
+                                            </p:txEl>
+                                          </p:spTgt>
+                                        </p:tgtEl>
+                                      </p:cBhvr>
+                                    </p:animEffect>
+                                  </p:childTnLst>
+                                </p:cTn>
+                              </p:par>
+                            </p:childTnLst>
+                          </p:cTn>
+                        </p:par>
+                      </p:childTnLst>
+                    </p:cTn>
+                  </p:par>
+                </p:childTnLst>
+              </p:cTn>
+              <p:prevCondLst>
+                <p:cond evt="onPrev" delay="0">
+                  <p:tgtEl>
+                    <p:sldTgt/>
+                  </p:tgtEl>
+                </p:cond>
+              </p:prevCondLst>
+              <p:nextCondLst>
+                <p:cond evt="onNext" delay="0">
+                  <p:tgtEl>
+                    <p:sldTgt/>
+                  </p:tgtEl>
+                </p:cond>
+              </p:nextCondLst>
+            </p:seq>
+          </p:childTnLst>
+        </p:cTn>
+      </p:par>
+    </p:tnLst>
+  </p:timing>
 </p:sld>
 </file>
 
@@ -4080,7 +4480,7 @@
         <p:spPr>
           <a:xfrm>
             <a:off x="304800" y="304800"/>
-            <a:ext cx="8686800" cy="2031325"/>
+            <a:ext cx="8686800" cy="5909310"/>
           </a:xfrm>
           <a:prstGeom prst="rect">
             <a:avLst/>
@@ -4127,12 +4527,116 @@
             </a:pPr>
             <a:r>
               <a:rPr lang="en-US" dirty="0" smtClean="0"/>
-              <a:t>Modified waterfall methodology (</a:t>
-            </a:r>
-            <a:r>
-              <a:rPr lang="en-US" smtClean="0"/>
-              <a:t>sequentially implemented)</a:t>
-            </a:r>
+              <a:t>Modified waterfall methodology (sequentially implemented</a:t>
+            </a:r>
+            <a:r>
+              <a:rPr lang="en-US" dirty="0" smtClean="0"/>
+              <a:t>) (stages)</a:t>
+            </a:r>
+          </a:p>
+          <a:p>
+            <a:r>
+              <a:rPr lang="en-US" dirty="0" smtClean="0"/>
+              <a:t>3.3 System Analysis</a:t>
+            </a:r>
+          </a:p>
+          <a:p>
+            <a:pPr marL="285750" indent="-285750">
+              <a:buFontTx/>
+              <a:buChar char="-"/>
+            </a:pPr>
+            <a:r>
+              <a:rPr lang="en-US" dirty="0" smtClean="0"/>
+              <a:t>Objectives of S.A is to find out what is being done, how to do, and how it can be improved. </a:t>
+            </a:r>
+            <a:r>
+              <a:rPr lang="en-US" dirty="0" smtClean="0"/>
+              <a:t> </a:t>
+            </a:r>
+            <a:endParaRPr lang="en-US" dirty="0"/>
+          </a:p>
+          <a:p>
+            <a:r>
+              <a:rPr lang="en-US" dirty="0" smtClean="0"/>
+              <a:t>3.3.1 Use-case </a:t>
+            </a:r>
+          </a:p>
+          <a:p>
+            <a:r>
+              <a:rPr lang="en-US" dirty="0" smtClean="0"/>
+              <a:t>3.3.2 </a:t>
+            </a:r>
+            <a:r>
+              <a:rPr lang="en-US" dirty="0" smtClean="0"/>
+              <a:t>System sequence</a:t>
+            </a:r>
+          </a:p>
+          <a:p>
+            <a:r>
+              <a:rPr lang="en-US" dirty="0" smtClean="0"/>
+              <a:t>3.3.3 </a:t>
+            </a:r>
+            <a:r>
+              <a:rPr lang="en-US" dirty="0" smtClean="0"/>
+              <a:t>Class Diagram</a:t>
+            </a:r>
+          </a:p>
+          <a:p>
+            <a:r>
+              <a:rPr lang="en-US" dirty="0" smtClean="0"/>
+              <a:t>3.3.4 Tools and Techniques to be Applied </a:t>
+            </a:r>
+          </a:p>
+          <a:p>
+            <a:r>
+              <a:rPr lang="en-US" dirty="0" smtClean="0"/>
+              <a:t>-HTML, CSS, PHP, MYSQL</a:t>
+            </a:r>
+          </a:p>
+          <a:p>
+            <a:r>
+              <a:rPr lang="en-US" dirty="0" smtClean="0"/>
+              <a:t>3.4 System Design</a:t>
+            </a:r>
+          </a:p>
+          <a:p>
+            <a:r>
+              <a:rPr lang="en-US" dirty="0" smtClean="0"/>
+              <a:t>3.4.1 Database Schema </a:t>
+            </a:r>
+          </a:p>
+          <a:p>
+            <a:r>
+              <a:rPr lang="en-US" dirty="0" smtClean="0"/>
+              <a:t>3.4.2 ERD</a:t>
+            </a:r>
+          </a:p>
+          <a:p>
+            <a:r>
+              <a:rPr lang="en-US" dirty="0" smtClean="0"/>
+              <a:t>3.5 System Deliverables and Milestones </a:t>
+            </a:r>
+          </a:p>
+          <a:p>
+            <a:pPr marL="285750" indent="-285750">
+              <a:buFontTx/>
+              <a:buChar char="-"/>
+            </a:pPr>
+            <a:r>
+              <a:rPr lang="en-US" dirty="0" smtClean="0"/>
+              <a:t>Clients </a:t>
+            </a:r>
+          </a:p>
+          <a:p>
+            <a:pPr marL="285750" indent="-285750">
+              <a:buFontTx/>
+              <a:buChar char="-"/>
+            </a:pPr>
+            <a:r>
+              <a:rPr lang="en-US" dirty="0" smtClean="0"/>
+              <a:t>Admin</a:t>
+            </a:r>
+            <a:endParaRPr lang="en-US" dirty="0" smtClean="0"/>
           </a:p>
         </p:txBody>
       </p:sp>
@@ -4166,6 +4670,60 @@
           <a:chExt cx="0" cy="0"/>
         </a:xfrm>
       </p:grpSpPr>
+      <p:sp>
+        <p:nvSpPr>
+          <p:cNvPr id="2" name="TextBox 1"/>
+          <p:cNvSpPr txBox="1"/>
+          <p:nvPr/>
+        </p:nvSpPr>
+        <p:spPr>
+          <a:xfrm>
+            <a:off x="3124200" y="76200"/>
+            <a:ext cx="2743199" cy="646331"/>
+          </a:xfrm>
+          <a:prstGeom prst="rect">
+            <a:avLst/>
+          </a:prstGeom>
+          <a:noFill/>
+        </p:spPr>
+        <p:txBody>
+          <a:bodyPr wrap="square" rtlCol="0">
+            <a:spAutoFit/>
+          </a:bodyPr>
+          <a:lstStyle/>
+          <a:p>
+            <a:r>
+              <a:rPr lang="en-US" dirty="0" smtClean="0"/>
+              <a:t>USE-CASE DIAGRAM</a:t>
+            </a:r>
+          </a:p>
+          <a:p>
+            <a:endParaRPr lang="en-US" dirty="0"/>
+          </a:p>
+        </p:txBody>
+      </p:sp>
+      <p:pic>
+        <p:nvPicPr>
+          <p:cNvPr id="3" name="Picture 2"/>
+          <p:cNvPicPr/>
+          <p:nvPr/>
+        </p:nvPicPr>
+        <p:blipFill>
+          <a:blip r:embed="rId2"/>
+          <a:stretch>
+            <a:fillRect/>
+          </a:stretch>
+        </p:blipFill>
+        <p:spPr>
+          <a:xfrm>
+            <a:off x="1706245" y="530225"/>
+            <a:ext cx="5731510" cy="5797550"/>
+          </a:xfrm>
+          <a:prstGeom prst="rect">
+            <a:avLst/>
+          </a:prstGeom>
+        </p:spPr>
+      </p:pic>
     </p:spTree>
     <p:extLst>
       <p:ext uri="{BB962C8B-B14F-4D97-AF65-F5344CB8AC3E}">
@@ -4196,6 +4754,60 @@
           <a:chExt cx="0" cy="0"/>
         </a:xfrm>
       </p:grpSpPr>
+      <p:sp>
+        <p:nvSpPr>
+          <p:cNvPr id="3" name="TextBox 2"/>
+          <p:cNvSpPr txBox="1"/>
+          <p:nvPr/>
+        </p:nvSpPr>
+        <p:spPr>
+          <a:xfrm>
+            <a:off x="2667000" y="76200"/>
+            <a:ext cx="6400800" cy="646331"/>
+          </a:xfrm>
+          <a:prstGeom prst="rect">
+            <a:avLst/>
+          </a:prstGeom>
+          <a:noFill/>
+        </p:spPr>
+        <p:txBody>
+          <a:bodyPr wrap="square" rtlCol="0">
+            <a:spAutoFit/>
+          </a:bodyPr>
+          <a:lstStyle/>
+          <a:p>
+            <a:r>
+              <a:rPr lang="en-US" dirty="0" smtClean="0"/>
+              <a:t>SEQUENCE DIAGRAM </a:t>
+            </a:r>
+          </a:p>
+          <a:p>
+            <a:endParaRPr lang="en-US" dirty="0"/>
+          </a:p>
+        </p:txBody>
+      </p:sp>
+      <p:pic>
+        <p:nvPicPr>
+          <p:cNvPr id="4" name="Picture 3"/>
+          <p:cNvPicPr/>
+          <p:nvPr/>
+        </p:nvPicPr>
+        <p:blipFill>
+          <a:blip r:embed="rId2"/>
+          <a:stretch>
+            <a:fillRect/>
+          </a:stretch>
+        </p:blipFill>
+        <p:spPr>
+          <a:xfrm>
+            <a:off x="0" y="533400"/>
+            <a:ext cx="9144000" cy="6324599"/>
+          </a:xfrm>
+          <a:prstGeom prst="rect">
+            <a:avLst/>
+          </a:prstGeom>
+        </p:spPr>
+      </p:pic>
     </p:spTree>
     <p:extLst>
       <p:ext uri="{BB962C8B-B14F-4D97-AF65-F5344CB8AC3E}">
@@ -4226,6 +4838,58 @@
           <a:chExt cx="0" cy="0"/>
         </a:xfrm>
       </p:grpSpPr>
+      <p:sp>
+        <p:nvSpPr>
+          <p:cNvPr id="2" name="TextBox 1"/>
+          <p:cNvSpPr txBox="1"/>
+          <p:nvPr/>
+        </p:nvSpPr>
+        <p:spPr>
+          <a:xfrm>
+            <a:off x="2667000" y="152400"/>
+            <a:ext cx="4114800" cy="369332"/>
+          </a:xfrm>
+          <a:prstGeom prst="rect">
+            <a:avLst/>
+          </a:prstGeom>
+          <a:noFill/>
+        </p:spPr>
+        <p:txBody>
+          <a:bodyPr wrap="square" rtlCol="0">
+            <a:spAutoFit/>
+          </a:bodyPr>
+          <a:lstStyle/>
+          <a:p>
+            <a:r>
+              <a:rPr lang="en-US" dirty="0" smtClean="0"/>
+              <a:t>SYSTEM SEQUENCE DIAGRRAM </a:t>
+            </a:r>
+            <a:endParaRPr lang="en-US" dirty="0"/>
+          </a:p>
+        </p:txBody>
+      </p:sp>
+      <p:pic>
+        <p:nvPicPr>
+          <p:cNvPr id="3" name="Picture 2"/>
+          <p:cNvPicPr/>
+          <p:nvPr/>
+        </p:nvPicPr>
+        <p:blipFill>
+          <a:blip r:embed="rId2"/>
+          <a:stretch>
+            <a:fillRect/>
+          </a:stretch>
+        </p:blipFill>
+        <p:spPr>
+          <a:xfrm>
+            <a:off x="0" y="521732"/>
+            <a:ext cx="9144000" cy="6336267"/>
+          </a:xfrm>
+          <a:prstGeom prst="rect">
+            <a:avLst/>
+          </a:prstGeom>
+        </p:spPr>
+      </p:pic>
     </p:spTree>
     <p:extLst>
       <p:ext uri="{BB962C8B-B14F-4D97-AF65-F5344CB8AC3E}">
@@ -4256,6 +4920,57 @@
           <a:chExt cx="0" cy="0"/>
         </a:xfrm>
       </p:grpSpPr>
+      <p:sp>
+        <p:nvSpPr>
+          <p:cNvPr id="2" name="TextBox 1"/>
+          <p:cNvSpPr txBox="1"/>
+          <p:nvPr/>
+        </p:nvSpPr>
+        <p:spPr>
+          <a:xfrm>
+            <a:off x="2438400" y="152400"/>
+            <a:ext cx="3733800" cy="369332"/>
+          </a:xfrm>
+          <a:prstGeom prst="rect">
+            <a:avLst/>
+          </a:prstGeom>
+          <a:noFill/>
+        </p:spPr>
+        <p:txBody>
+          <a:bodyPr wrap="square" rtlCol="0">
+            <a:spAutoFit/>
+          </a:bodyPr>
+          <a:lstStyle/>
+          <a:p>
+            <a:r>
+              <a:rPr lang="en-US" dirty="0" smtClean="0"/>
+              <a:t>CLASS DIAGRAM </a:t>
+            </a:r>
+          </a:p>
+        </p:txBody>
+      </p:sp>
+      <p:pic>
+        <p:nvPicPr>
+          <p:cNvPr id="3" name="Picture 2"/>
+          <p:cNvPicPr/>
+          <p:nvPr/>
+        </p:nvPicPr>
+        <p:blipFill>
+          <a:blip r:embed="rId2"/>
+          <a:stretch>
+            <a:fillRect/>
+          </a:stretch>
+        </p:blipFill>
+        <p:spPr>
+          <a:xfrm>
+            <a:off x="0" y="521732"/>
+            <a:ext cx="9144000" cy="6336267"/>
+          </a:xfrm>
+          <a:prstGeom prst="rect">
+            <a:avLst/>
+          </a:prstGeom>
+        </p:spPr>
+      </p:pic>
     </p:spTree>
     <p:extLst>
       <p:ext uri="{BB962C8B-B14F-4D97-AF65-F5344CB8AC3E}">

--- a/OCAS/Nicholas Bwalley_PowerPoint_122790.pptx
+++ b/OCAS/Nicholas Bwalley_PowerPoint_122790.pptx
@@ -3771,9 +3771,88 @@
   <p:timing>
     <p:tnLst>
       <p:par>
-        <p:cTn id="1" dur="indefinite" restart="never" nodeType="tmRoot"/>
+        <p:cTn id="1" dur="indefinite" restart="never" nodeType="tmRoot">
+          <p:childTnLst>
+            <p:seq concurrent="1" nextAc="seek">
+              <p:cTn id="2" dur="indefinite" nodeType="mainSeq">
+                <p:childTnLst>
+                  <p:par>
+                    <p:cTn id="3" fill="hold">
+                      <p:stCondLst>
+                        <p:cond delay="indefinite"/>
+                      </p:stCondLst>
+                      <p:childTnLst>
+                        <p:par>
+                          <p:cTn id="4" fill="hold">
+                            <p:stCondLst>
+                              <p:cond delay="0"/>
+                            </p:stCondLst>
+                            <p:childTnLst>
+                              <p:par>
+                                <p:cTn id="5" presetID="6" presetClass="entr" presetSubtype="16" fill="hold" grpId="0" nodeType="clickEffect">
+                                  <p:stCondLst>
+                                    <p:cond delay="0"/>
+                                  </p:stCondLst>
+                                  <p:childTnLst>
+                                    <p:set>
+                                      <p:cBhvr>
+                                        <p:cTn id="6" dur="1" fill="hold">
+                                          <p:stCondLst>
+                                            <p:cond delay="0"/>
+                                          </p:stCondLst>
+                                        </p:cTn>
+                                        <p:tgtEl>
+                                          <p:spTgt spid="2"/>
+                                        </p:tgtEl>
+                                        <p:attrNameLst>
+                                          <p:attrName>style.visibility</p:attrName>
+                                        </p:attrNameLst>
+                                      </p:cBhvr>
+                                      <p:to>
+                                        <p:strVal val="visible"/>
+                                      </p:to>
+                                    </p:set>
+                                    <p:animEffect transition="in" filter="circle(in)">
+                                      <p:cBhvr>
+                                        <p:cTn id="7" dur="2000"/>
+                                        <p:tgtEl>
+                                          <p:spTgt spid="2"/>
+                                        </p:tgtEl>
+                                      </p:cBhvr>
+                                    </p:animEffect>
+                                  </p:childTnLst>
+                                </p:cTn>
+                              </p:par>
+                            </p:childTnLst>
+                          </p:cTn>
+                        </p:par>
+                      </p:childTnLst>
+                    </p:cTn>
+                  </p:par>
+                </p:childTnLst>
+              </p:cTn>
+              <p:prevCondLst>
+                <p:cond evt="onPrev" delay="0">
+                  <p:tgtEl>
+                    <p:sldTgt/>
+                  </p:tgtEl>
+                </p:cond>
+              </p:prevCondLst>
+              <p:nextCondLst>
+                <p:cond evt="onNext" delay="0">
+                  <p:tgtEl>
+                    <p:sldTgt/>
+                  </p:tgtEl>
+                </p:cond>
+              </p:nextCondLst>
+            </p:seq>
+          </p:childTnLst>
+        </p:cTn>
       </p:par>
     </p:tnLst>
+    <p:bldLst>
+      <p:bldP spid="2" grpId="0"/>
+    </p:bldLst>
   </p:timing>
 </p:sld>
 </file>
@@ -3818,10 +3897,18 @@
           <a:lstStyle/>
           <a:p>
             <a:r>
-              <a:rPr lang="en-US" dirty="0" smtClean="0"/>
+              <a:rPr lang="en-US" dirty="0" smtClean="0">
+                <a:solidFill>
+                  <a:srgbClr val="00B0F0"/>
+                </a:solidFill>
+              </a:rPr>
               <a:t>ENTITY RELATIONSHIP DIAGRAM</a:t>
             </a:r>
-            <a:endParaRPr lang="en-US" dirty="0"/>
+            <a:endParaRPr lang="en-US" dirty="0">
+              <a:solidFill>
+                <a:srgbClr val="00B0F0"/>
+              </a:solidFill>
+            </a:endParaRPr>
           </a:p>
         </p:txBody>
       </p:sp>
@@ -3857,6 +3944,13 @@
   <p:clrMapOvr>
     <a:masterClrMapping/>
   </p:clrMapOvr>
+  <p:timing>
+    <p:tnLst>
+      <p:par>
+        <p:cTn id="1" dur="indefinite" restart="never" nodeType="tmRoot"/>
+      </p:par>
+    </p:tnLst>
+  </p:timing>
 </p:sld>
 </file>
 
@@ -3900,7 +3994,11 @@
           <a:lstStyle/>
           <a:p>
             <a:r>
-              <a:rPr lang="en-US" dirty="0" smtClean="0"/>
+              <a:rPr lang="en-US" dirty="0" smtClean="0">
+                <a:solidFill>
+                  <a:srgbClr val="00B0F0"/>
+                </a:solidFill>
+              </a:rPr>
               <a:t>DATABASE SCHEMA </a:t>
             </a:r>
           </a:p>
@@ -4232,7 +4330,7 @@
         <p:spPr>
           <a:xfrm>
             <a:off x="152400" y="76200"/>
-            <a:ext cx="8839200" cy="4247317"/>
+            <a:ext cx="8839200" cy="6863417"/>
           </a:xfrm>
           <a:prstGeom prst="rect">
             <a:avLst/>
@@ -4246,31 +4344,69 @@
           <a:lstStyle/>
           <a:p>
             <a:r>
-              <a:rPr lang="en-US" dirty="0" smtClean="0"/>
+              <a:rPr lang="en-US" sz="2000" b="1" dirty="0" smtClean="0">
+                <a:solidFill>
+                  <a:srgbClr val="00B0F0"/>
+                </a:solidFill>
+                <a:latin typeface="Times New Roman" pitchFamily="18" charset="0"/>
+                <a:cs typeface="Times New Roman" pitchFamily="18" charset="0"/>
+              </a:rPr>
               <a:t>PROBLEM STATEMENT</a:t>
             </a:r>
           </a:p>
           <a:p>
-            <a:r>
-              <a:rPr lang="en-US" dirty="0" smtClean="0"/>
+            <a:pPr>
+              <a:lnSpc>
+                <a:spcPct val="150000"/>
+              </a:lnSpc>
+            </a:pPr>
+            <a:r>
+              <a:rPr lang="en-US" sz="2000" dirty="0" smtClean="0">
+                <a:latin typeface="Times New Roman" pitchFamily="18" charset="0"/>
+                <a:cs typeface="Times New Roman" pitchFamily="18" charset="0"/>
+              </a:rPr>
               <a:t>Recently car transportation from one place to another was done mostly through means of road and railway. Auctioning in the current manual system was carried out at a specific location at times far from the auctioneers place whereby people would agree where they want the auction site to be at a certain place. So the auctioneer used to spend extra charges to transport their goods to the auction site and sometimes return with them without getting a suitable bidder. In addition, the owner sometimes used to hire a broker to help him sell a car at a certain commission rate. </a:t>
             </a:r>
           </a:p>
           <a:p>
-            <a:r>
-              <a:rPr lang="en-US" dirty="0" smtClean="0"/>
+            <a:pPr>
+              <a:lnSpc>
+                <a:spcPct val="150000"/>
+              </a:lnSpc>
+            </a:pPr>
+            <a:r>
+              <a:rPr lang="en-US" sz="2000" dirty="0" smtClean="0">
+                <a:latin typeface="Times New Roman" pitchFamily="18" charset="0"/>
+                <a:cs typeface="Times New Roman" pitchFamily="18" charset="0"/>
+              </a:rPr>
               <a:t>However the broker used to hike the price higher than the given auction price to get a higher profit plus the benefit of still getting the commission price agreed.  </a:t>
             </a:r>
           </a:p>
           <a:p>
-            <a:r>
-              <a:rPr lang="en-US" dirty="0" smtClean="0"/>
+            <a:pPr>
+              <a:lnSpc>
+                <a:spcPct val="150000"/>
+              </a:lnSpc>
+            </a:pPr>
+            <a:r>
+              <a:rPr lang="en-US" sz="2000" dirty="0" smtClean="0">
+                <a:latin typeface="Times New Roman" pitchFamily="18" charset="0"/>
+                <a:cs typeface="Times New Roman" pitchFamily="18" charset="0"/>
+              </a:rPr>
               <a:t>Therefore problem experienced in the current manual system is over-exaggerated car prices set by the car brokers’ given the tender to auction cars to potential buyers.</a:t>
             </a:r>
           </a:p>
           <a:p>
-            <a:r>
-              <a:rPr lang="en-US" dirty="0" smtClean="0"/>
+            <a:pPr>
+              <a:lnSpc>
+                <a:spcPct val="150000"/>
+              </a:lnSpc>
+            </a:pPr>
+            <a:r>
+              <a:rPr lang="en-US" sz="2000" dirty="0" smtClean="0">
+                <a:latin typeface="Times New Roman" pitchFamily="18" charset="0"/>
+                <a:cs typeface="Times New Roman" pitchFamily="18" charset="0"/>
+              </a:rPr>
               <a:t>The Over-exaggerated car prices makes the potential buyers not to buy the car because the price set is not directly proportional to the car they are promised by the brokers.</a:t>
             </a:r>
           </a:p>
@@ -4286,6 +4422,13 @@
   <p:clrMapOvr>
     <a:masterClrMapping/>
   </p:clrMapOvr>
+  <p:timing>
+    <p:tnLst>
+      <p:par>
+        <p:cTn id="1" dur="indefinite" restart="never" nodeType="tmRoot"/>
+      </p:par>
+    </p:tnLst>
+  </p:timing>
 </p:sld>
 </file>
 
@@ -4315,7 +4458,7 @@
         <p:spPr>
           <a:xfrm>
             <a:off x="76200" y="76200"/>
-            <a:ext cx="8991600" cy="2862322"/>
+            <a:ext cx="8991600" cy="3170099"/>
           </a:xfrm>
           <a:prstGeom prst="rect">
             <a:avLst/>
@@ -4329,61 +4472,94 @@
           <a:lstStyle/>
           <a:p>
             <a:r>
-              <a:rPr lang="en-US" dirty="0" smtClean="0"/>
+              <a:rPr lang="en-US" sz="2000" dirty="0" smtClean="0">
+                <a:solidFill>
+                  <a:srgbClr val="00B0F0"/>
+                </a:solidFill>
+                <a:latin typeface="Times New Roman" pitchFamily="18" charset="0"/>
+                <a:cs typeface="Times New Roman" pitchFamily="18" charset="0"/>
+              </a:rPr>
               <a:t>LITERATURE REVIEW</a:t>
             </a:r>
           </a:p>
           <a:p>
             <a:r>
-              <a:rPr lang="en-US" dirty="0" smtClean="0"/>
+              <a:rPr lang="en-US" sz="2000" dirty="0" smtClean="0">
+                <a:latin typeface="Times New Roman" pitchFamily="18" charset="0"/>
+                <a:cs typeface="Times New Roman" pitchFamily="18" charset="0"/>
+              </a:rPr>
               <a:t>2.1 Introduction</a:t>
             </a:r>
           </a:p>
           <a:p>
             <a:r>
-              <a:rPr lang="en-US" dirty="0" smtClean="0"/>
+              <a:rPr lang="en-US" sz="2000" dirty="0" smtClean="0">
+                <a:latin typeface="Times New Roman" pitchFamily="18" charset="0"/>
+                <a:cs typeface="Times New Roman" pitchFamily="18" charset="0"/>
+              </a:rPr>
               <a:t>2.2 Auctioning process in Kenya </a:t>
             </a:r>
           </a:p>
           <a:p>
             <a:r>
-              <a:rPr lang="en-US" dirty="0" smtClean="0"/>
+              <a:rPr lang="en-US" sz="2000" dirty="0" smtClean="0">
+                <a:latin typeface="Times New Roman" pitchFamily="18" charset="0"/>
+                <a:cs typeface="Times New Roman" pitchFamily="18" charset="0"/>
+              </a:rPr>
               <a:t>2.2.1 Challenges Faced by Auctioneers in Kenya </a:t>
             </a:r>
           </a:p>
           <a:p>
             <a:r>
-              <a:rPr lang="en-US" dirty="0" smtClean="0"/>
+              <a:rPr lang="en-US" sz="2000" dirty="0" smtClean="0">
+                <a:latin typeface="Times New Roman" pitchFamily="18" charset="0"/>
+                <a:cs typeface="Times New Roman" pitchFamily="18" charset="0"/>
+              </a:rPr>
               <a:t>2.3 Related Works </a:t>
             </a:r>
           </a:p>
           <a:p>
             <a:r>
-              <a:rPr lang="en-US" dirty="0" smtClean="0"/>
+              <a:rPr lang="en-US" sz="2000" dirty="0" smtClean="0">
+                <a:latin typeface="Times New Roman" pitchFamily="18" charset="0"/>
+                <a:cs typeface="Times New Roman" pitchFamily="18" charset="0"/>
+              </a:rPr>
               <a:t>2.3.1 E-Bay</a:t>
             </a:r>
           </a:p>
           <a:p>
             <a:r>
-              <a:rPr lang="en-US" dirty="0" smtClean="0"/>
+              <a:rPr lang="en-US" sz="2000" dirty="0" smtClean="0">
+                <a:latin typeface="Times New Roman" pitchFamily="18" charset="0"/>
+                <a:cs typeface="Times New Roman" pitchFamily="18" charset="0"/>
+              </a:rPr>
               <a:t>2.3.2 Auto Auction Mall </a:t>
             </a:r>
           </a:p>
           <a:p>
             <a:r>
-              <a:rPr lang="en-US" dirty="0" smtClean="0"/>
+              <a:rPr lang="en-US" sz="2000" dirty="0" smtClean="0">
+                <a:latin typeface="Times New Roman" pitchFamily="18" charset="0"/>
+                <a:cs typeface="Times New Roman" pitchFamily="18" charset="0"/>
+              </a:rPr>
               <a:t>2.3.3 Salvage Bid</a:t>
             </a:r>
           </a:p>
           <a:p>
             <a:r>
-              <a:rPr lang="en-US" dirty="0" smtClean="0"/>
+              <a:rPr lang="en-US" sz="2000" dirty="0" smtClean="0">
+                <a:latin typeface="Times New Roman" pitchFamily="18" charset="0"/>
+                <a:cs typeface="Times New Roman" pitchFamily="18" charset="0"/>
+              </a:rPr>
               <a:t>2.4 Gaps of the Existing System</a:t>
             </a:r>
           </a:p>
           <a:p>
             <a:r>
-              <a:rPr lang="en-US" dirty="0" smtClean="0"/>
+              <a:rPr lang="en-US" sz="2000" dirty="0" smtClean="0">
+                <a:latin typeface="Times New Roman" pitchFamily="18" charset="0"/>
+                <a:cs typeface="Times New Roman" pitchFamily="18" charset="0"/>
+              </a:rPr>
               <a:t>2.5 Conceptual Framework</a:t>
             </a:r>
           </a:p>
@@ -4399,6 +4575,13 @@
   <p:clrMapOvr>
     <a:masterClrMapping/>
   </p:clrMapOvr>
+  <p:timing>
+    <p:tnLst>
+      <p:par>
+        <p:cTn id="1" dur="indefinite" restart="never" nodeType="tmRoot"/>
+      </p:par>
+    </p:tnLst>
+  </p:timing>
 </p:sld>
 </file>
 
@@ -4451,6 +4634,13 @@
   <p:clrMapOvr>
     <a:masterClrMapping/>
   </p:clrMapOvr>
+  <p:timing>
+    <p:tnLst>
+      <p:par>
+        <p:cTn id="1" dur="indefinite" restart="never" nodeType="tmRoot"/>
+      </p:par>
+    </p:tnLst>
+  </p:timing>
 </p:sld>
 </file>
 
@@ -4494,13 +4684,22 @@
           <a:lstStyle/>
           <a:p>
             <a:r>
-              <a:rPr lang="en-US" dirty="0" smtClean="0"/>
+              <a:rPr lang="en-US" dirty="0" smtClean="0">
+                <a:solidFill>
+                  <a:srgbClr val="00B0F0"/>
+                </a:solidFill>
+                <a:latin typeface="Times New Roman" pitchFamily="18" charset="0"/>
+                <a:cs typeface="Times New Roman" pitchFamily="18" charset="0"/>
+              </a:rPr>
               <a:t>Chapter 3: Methodology </a:t>
             </a:r>
           </a:p>
           <a:p>
             <a:r>
-              <a:rPr lang="en-US" dirty="0" smtClean="0"/>
+              <a:rPr lang="en-US" dirty="0" smtClean="0">
+                <a:latin typeface="Times New Roman" pitchFamily="18" charset="0"/>
+                <a:cs typeface="Times New Roman" pitchFamily="18" charset="0"/>
+              </a:rPr>
               <a:t>3.1 Introduction </a:t>
             </a:r>
           </a:p>
@@ -4510,13 +4709,19 @@
               <a:buChar char="-"/>
             </a:pPr>
             <a:r>
-              <a:rPr lang="en-US" dirty="0" smtClean="0"/>
+              <a:rPr lang="en-US" dirty="0" smtClean="0">
+                <a:latin typeface="Times New Roman" pitchFamily="18" charset="0"/>
+                <a:cs typeface="Times New Roman" pitchFamily="18" charset="0"/>
+              </a:rPr>
               <a:t>System methodology OOAD(Capturing real-world object in current scenario of importance to the system. Data Structures as Opposed to the procedural structure. Objects are identified and their relationship between each other. </a:t>
             </a:r>
           </a:p>
           <a:p>
             <a:r>
-              <a:rPr lang="en-US" dirty="0" smtClean="0"/>
+              <a:rPr lang="en-US" dirty="0" smtClean="0">
+                <a:latin typeface="Times New Roman" pitchFamily="18" charset="0"/>
+                <a:cs typeface="Times New Roman" pitchFamily="18" charset="0"/>
+              </a:rPr>
               <a:t>3.2 System Development Approach </a:t>
             </a:r>
           </a:p>
@@ -4526,17 +4731,19 @@
               <a:buChar char="-"/>
             </a:pPr>
             <a:r>
-              <a:rPr lang="en-US" dirty="0" smtClean="0"/>
-              <a:t>Modified waterfall methodology (sequentially implemented</a:t>
-            </a:r>
-            <a:r>
-              <a:rPr lang="en-US" dirty="0" smtClean="0"/>
-              <a:t>) (stages)</a:t>
-            </a:r>
-          </a:p>
-          <a:p>
-            <a:r>
-              <a:rPr lang="en-US" dirty="0" smtClean="0"/>
+              <a:rPr lang="en-US" dirty="0" smtClean="0">
+                <a:latin typeface="Times New Roman" pitchFamily="18" charset="0"/>
+                <a:cs typeface="Times New Roman" pitchFamily="18" charset="0"/>
+              </a:rPr>
+              <a:t>Modified waterfall methodology (sequentially implemented) (stages)</a:t>
+            </a:r>
+          </a:p>
+          <a:p>
+            <a:r>
+              <a:rPr lang="en-US" dirty="0" smtClean="0">
+                <a:latin typeface="Times New Roman" pitchFamily="18" charset="0"/>
+                <a:cs typeface="Times New Roman" pitchFamily="18" charset="0"/>
+              </a:rPr>
               <a:t>3.3 System Analysis</a:t>
             </a:r>
           </a:p>
@@ -4546,74 +4753,95 @@
               <a:buChar char="-"/>
             </a:pPr>
             <a:r>
-              <a:rPr lang="en-US" dirty="0" smtClean="0"/>
-              <a:t>Objectives of S.A is to find out what is being done, how to do, and how it can be improved. </a:t>
-            </a:r>
-            <a:r>
-              <a:rPr lang="en-US" dirty="0" smtClean="0"/>
-              <a:t> </a:t>
-            </a:r>
-            <a:endParaRPr lang="en-US" dirty="0"/>
-          </a:p>
-          <a:p>
-            <a:r>
-              <a:rPr lang="en-US" dirty="0" smtClean="0"/>
+              <a:rPr lang="en-US" dirty="0" smtClean="0">
+                <a:latin typeface="Times New Roman" pitchFamily="18" charset="0"/>
+                <a:cs typeface="Times New Roman" pitchFamily="18" charset="0"/>
+              </a:rPr>
+              <a:t>Objectives of S.A is to find out what is being done, how to do, and how it can be improved.  </a:t>
+            </a:r>
+            <a:endParaRPr lang="en-US" dirty="0">
+              <a:latin typeface="Times New Roman" pitchFamily="18" charset="0"/>
+              <a:cs typeface="Times New Roman" pitchFamily="18" charset="0"/>
+            </a:endParaRPr>
+          </a:p>
+          <a:p>
+            <a:r>
+              <a:rPr lang="en-US" dirty="0" smtClean="0">
+                <a:latin typeface="Times New Roman" pitchFamily="18" charset="0"/>
+                <a:cs typeface="Times New Roman" pitchFamily="18" charset="0"/>
+              </a:rPr>
               <a:t>3.3.1 Use-case </a:t>
             </a:r>
           </a:p>
           <a:p>
             <a:r>
-              <a:rPr lang="en-US" dirty="0" smtClean="0"/>
-              <a:t>3.3.2 </a:t>
-            </a:r>
-            <a:r>
-              <a:rPr lang="en-US" dirty="0" smtClean="0"/>
-              <a:t>System sequence</a:t>
-            </a:r>
-          </a:p>
-          <a:p>
-            <a:r>
-              <a:rPr lang="en-US" dirty="0" smtClean="0"/>
-              <a:t>3.3.3 </a:t>
-            </a:r>
-            <a:r>
-              <a:rPr lang="en-US" dirty="0" smtClean="0"/>
-              <a:t>Class Diagram</a:t>
-            </a:r>
-          </a:p>
-          <a:p>
-            <a:r>
-              <a:rPr lang="en-US" dirty="0" smtClean="0"/>
+              <a:rPr lang="en-US" dirty="0" smtClean="0">
+                <a:latin typeface="Times New Roman" pitchFamily="18" charset="0"/>
+                <a:cs typeface="Times New Roman" pitchFamily="18" charset="0"/>
+              </a:rPr>
+              <a:t>3.3.2 System sequence</a:t>
+            </a:r>
+          </a:p>
+          <a:p>
+            <a:r>
+              <a:rPr lang="en-US" dirty="0" smtClean="0">
+                <a:latin typeface="Times New Roman" pitchFamily="18" charset="0"/>
+                <a:cs typeface="Times New Roman" pitchFamily="18" charset="0"/>
+              </a:rPr>
+              <a:t>3.3.3 Class Diagram</a:t>
+            </a:r>
+          </a:p>
+          <a:p>
+            <a:r>
+              <a:rPr lang="en-US" dirty="0" smtClean="0">
+                <a:latin typeface="Times New Roman" pitchFamily="18" charset="0"/>
+                <a:cs typeface="Times New Roman" pitchFamily="18" charset="0"/>
+              </a:rPr>
               <a:t>3.3.4 Tools and Techniques to be Applied </a:t>
             </a:r>
           </a:p>
           <a:p>
             <a:r>
-              <a:rPr lang="en-US" dirty="0" smtClean="0"/>
+              <a:rPr lang="en-US" dirty="0" smtClean="0">
+                <a:latin typeface="Times New Roman" pitchFamily="18" charset="0"/>
+                <a:cs typeface="Times New Roman" pitchFamily="18" charset="0"/>
+              </a:rPr>
               <a:t>-HTML, CSS, PHP, MYSQL</a:t>
             </a:r>
           </a:p>
           <a:p>
             <a:r>
-              <a:rPr lang="en-US" dirty="0" smtClean="0"/>
+              <a:rPr lang="en-US" dirty="0" smtClean="0">
+                <a:latin typeface="Times New Roman" pitchFamily="18" charset="0"/>
+                <a:cs typeface="Times New Roman" pitchFamily="18" charset="0"/>
+              </a:rPr>
               <a:t>3.4 System Design</a:t>
             </a:r>
           </a:p>
           <a:p>
             <a:r>
-              <a:rPr lang="en-US" dirty="0" smtClean="0"/>
+              <a:rPr lang="en-US" dirty="0" smtClean="0">
+                <a:latin typeface="Times New Roman" pitchFamily="18" charset="0"/>
+                <a:cs typeface="Times New Roman" pitchFamily="18" charset="0"/>
+              </a:rPr>
               <a:t>3.4.1 Database Schema </a:t>
             </a:r>
           </a:p>
           <a:p>
             <a:r>
-              <a:rPr lang="en-US" dirty="0" smtClean="0"/>
+              <a:rPr lang="en-US" dirty="0" smtClean="0">
+                <a:latin typeface="Times New Roman" pitchFamily="18" charset="0"/>
+                <a:cs typeface="Times New Roman" pitchFamily="18" charset="0"/>
+              </a:rPr>
               <a:t>3.4.2 ERD</a:t>
             </a:r>
           </a:p>
           <a:p>
             <a:r>
-              <a:rPr lang="en-US" dirty="0" smtClean="0"/>
+              <a:rPr lang="en-US" dirty="0" smtClean="0">
+                <a:latin typeface="Times New Roman" pitchFamily="18" charset="0"/>
+                <a:cs typeface="Times New Roman" pitchFamily="18" charset="0"/>
+              </a:rPr>
               <a:t>3.5 System Deliverables and Milestones </a:t>
             </a:r>
           </a:p>
@@ -4623,7 +4851,10 @@
               <a:buChar char="-"/>
             </a:pPr>
             <a:r>
-              <a:rPr lang="en-US" dirty="0" smtClean="0"/>
+              <a:rPr lang="en-US" dirty="0" smtClean="0">
+                <a:latin typeface="Times New Roman" pitchFamily="18" charset="0"/>
+                <a:cs typeface="Times New Roman" pitchFamily="18" charset="0"/>
+              </a:rPr>
               <a:t>Clients </a:t>
             </a:r>
           </a:p>
@@ -4633,10 +4864,12 @@
               <a:buChar char="-"/>
             </a:pPr>
             <a:r>
-              <a:rPr lang="en-US" dirty="0" smtClean="0"/>
+              <a:rPr lang="en-US" dirty="0" smtClean="0">
+                <a:latin typeface="Times New Roman" pitchFamily="18" charset="0"/>
+                <a:cs typeface="Times New Roman" pitchFamily="18" charset="0"/>
+              </a:rPr>
               <a:t>Admin</a:t>
             </a:r>
-            <a:endParaRPr lang="en-US" dirty="0" smtClean="0"/>
           </a:p>
         </p:txBody>
       </p:sp>
@@ -4650,6 +4883,13 @@
   <p:clrMapOvr>
     <a:masterClrMapping/>
   </p:clrMapOvr>
+  <p:timing>
+    <p:tnLst>
+      <p:par>
+        <p:cTn id="1" dur="indefinite" restart="never" nodeType="tmRoot"/>
+      </p:par>
+    </p:tnLst>
+  </p:timing>
 </p:sld>
 </file>
 
@@ -4693,7 +4933,13 @@
           <a:lstStyle/>
           <a:p>
             <a:r>
-              <a:rPr lang="en-US" dirty="0" smtClean="0"/>
+              <a:rPr lang="en-US" dirty="0" smtClean="0">
+                <a:solidFill>
+                  <a:srgbClr val="00B0F0"/>
+                </a:solidFill>
+                <a:latin typeface="Times New Roman" pitchFamily="18" charset="0"/>
+                <a:cs typeface="Times New Roman" pitchFamily="18" charset="0"/>
+              </a:rPr>
               <a:t>USE-CASE DIAGRAM</a:t>
             </a:r>
           </a:p>
@@ -4734,6 +4980,13 @@
   <p:clrMapOvr>
     <a:masterClrMapping/>
   </p:clrMapOvr>
+  <p:timing>
+    <p:tnLst>
+      <p:par>
+        <p:cTn id="1" dur="indefinite" restart="never" nodeType="tmRoot"/>
+      </p:par>
+    </p:tnLst>
+  </p:timing>
 </p:sld>
 </file>
 
@@ -4777,7 +5030,13 @@
           <a:lstStyle/>
           <a:p>
             <a:r>
-              <a:rPr lang="en-US" dirty="0" smtClean="0"/>
+              <a:rPr lang="en-US" dirty="0" smtClean="0">
+                <a:solidFill>
+                  <a:srgbClr val="00B0F0"/>
+                </a:solidFill>
+                <a:latin typeface="Times New Roman" pitchFamily="18" charset="0"/>
+                <a:cs typeface="Times New Roman" pitchFamily="18" charset="0"/>
+              </a:rPr>
               <a:t>SEQUENCE DIAGRAM </a:t>
             </a:r>
           </a:p>
@@ -4818,6 +5077,13 @@
   <p:clrMapOvr>
     <a:masterClrMapping/>
   </p:clrMapOvr>
+  <p:timing>
+    <p:tnLst>
+      <p:par>
+        <p:cTn id="1" dur="indefinite" restart="never" nodeType="tmRoot"/>
+      </p:par>
+    </p:tnLst>
+  </p:timing>
 </p:sld>
 </file>
 
@@ -4861,10 +5127,18 @@
           <a:lstStyle/>
           <a:p>
             <a:r>
-              <a:rPr lang="en-US" dirty="0" smtClean="0"/>
+              <a:rPr lang="en-US" dirty="0" smtClean="0">
+                <a:solidFill>
+                  <a:srgbClr val="00B0F0"/>
+                </a:solidFill>
+              </a:rPr>
               <a:t>SYSTEM SEQUENCE DIAGRRAM </a:t>
             </a:r>
-            <a:endParaRPr lang="en-US" dirty="0"/>
+            <a:endParaRPr lang="en-US" dirty="0">
+              <a:solidFill>
+                <a:srgbClr val="00B0F0"/>
+              </a:solidFill>
+            </a:endParaRPr>
           </a:p>
         </p:txBody>
       </p:sp>
@@ -4900,6 +5174,13 @@
   <p:clrMapOvr>
     <a:masterClrMapping/>
   </p:clrMapOvr>
+  <p:timing>
+    <p:tnLst>
+      <p:par>
+        <p:cTn id="1" dur="indefinite" restart="never" nodeType="tmRoot"/>
+      </p:par>
+    </p:tnLst>
+  </p:timing>
 </p:sld>
 </file>
 
@@ -4943,7 +5224,11 @@
           <a:lstStyle/>
           <a:p>
             <a:r>
-              <a:rPr lang="en-US" dirty="0" smtClean="0"/>
+              <a:rPr lang="en-US" dirty="0" smtClean="0">
+                <a:solidFill>
+                  <a:srgbClr val="00B0F0"/>
+                </a:solidFill>
+              </a:rPr>
               <a:t>CLASS DIAGRAM </a:t>
             </a:r>
           </a:p>
@@ -4981,6 +5266,13 @@
   <p:clrMapOvr>
     <a:masterClrMapping/>
   </p:clrMapOvr>
+  <p:timing>
+    <p:tnLst>
+      <p:par>
+        <p:cTn id="1" dur="indefinite" restart="never" nodeType="tmRoot"/>
+      </p:par>
+    </p:tnLst>
+  </p:timing>
 </p:sld>
 </file>
 

--- a/OCAS/Nicholas Bwalley_PowerPoint_122790.pptx
+++ b/OCAS/Nicholas Bwalley_PowerPoint_122790.pptx
@@ -502,7 +502,7 @@
           <a:p>
             <a:fld id="{FAA197C4-8783-4A97-B961-8D8D108A6395}" type="datetimeFigureOut">
               <a:rPr lang="en-US" smtClean="0"/>
-              <a:t>9/17/2020</a:t>
+              <a:t>9/18/2020</a:t>
             </a:fld>
             <a:endParaRPr lang="en-US"/>
           </a:p>
@@ -667,7 +667,7 @@
           <a:p>
             <a:fld id="{FAA197C4-8783-4A97-B961-8D8D108A6395}" type="datetimeFigureOut">
               <a:rPr lang="en-US" smtClean="0"/>
-              <a:t>9/17/2020</a:t>
+              <a:t>9/18/2020</a:t>
             </a:fld>
             <a:endParaRPr lang="en-US"/>
           </a:p>
@@ -842,7 +842,7 @@
           <a:p>
             <a:fld id="{FAA197C4-8783-4A97-B961-8D8D108A6395}" type="datetimeFigureOut">
               <a:rPr lang="en-US" smtClean="0"/>
-              <a:t>9/17/2020</a:t>
+              <a:t>9/18/2020</a:t>
             </a:fld>
             <a:endParaRPr lang="en-US"/>
           </a:p>
@@ -1011,7 +1011,7 @@
           <a:p>
             <a:fld id="{FAA197C4-8783-4A97-B961-8D8D108A6395}" type="datetimeFigureOut">
               <a:rPr lang="en-US" smtClean="0"/>
-              <a:t>9/17/2020</a:t>
+              <a:t>9/18/2020</a:t>
             </a:fld>
             <a:endParaRPr lang="en-US"/>
           </a:p>
@@ -1466,7 +1466,7 @@
           <a:p>
             <a:fld id="{FAA197C4-8783-4A97-B961-8D8D108A6395}" type="datetimeFigureOut">
               <a:rPr lang="en-US" smtClean="0"/>
-              <a:t>9/17/2020</a:t>
+              <a:t>9/18/2020</a:t>
             </a:fld>
             <a:endParaRPr lang="en-US"/>
           </a:p>
@@ -1730,7 +1730,7 @@
           <a:p>
             <a:fld id="{FAA197C4-8783-4A97-B961-8D8D108A6395}" type="datetimeFigureOut">
               <a:rPr lang="en-US" smtClean="0"/>
-              <a:t>9/17/2020</a:t>
+              <a:t>9/18/2020</a:t>
             </a:fld>
             <a:endParaRPr lang="en-US"/>
           </a:p>
@@ -2104,7 +2104,7 @@
           <a:p>
             <a:fld id="{FAA197C4-8783-4A97-B961-8D8D108A6395}" type="datetimeFigureOut">
               <a:rPr lang="en-US" smtClean="0"/>
-              <a:t>9/17/2020</a:t>
+              <a:t>9/18/2020</a:t>
             </a:fld>
             <a:endParaRPr lang="en-US"/>
           </a:p>
@@ -2226,7 +2226,7 @@
           <a:p>
             <a:fld id="{FAA197C4-8783-4A97-B961-8D8D108A6395}" type="datetimeFigureOut">
               <a:rPr lang="en-US" smtClean="0"/>
-              <a:t>9/17/2020</a:t>
+              <a:t>9/18/2020</a:t>
             </a:fld>
             <a:endParaRPr lang="en-US"/>
           </a:p>
@@ -2316,7 +2316,7 @@
           <a:p>
             <a:fld id="{FAA197C4-8783-4A97-B961-8D8D108A6395}" type="datetimeFigureOut">
               <a:rPr lang="en-US" smtClean="0"/>
-              <a:t>9/17/2020</a:t>
+              <a:t>9/18/2020</a:t>
             </a:fld>
             <a:endParaRPr lang="en-US"/>
           </a:p>
@@ -2565,7 +2565,7 @@
           <a:p>
             <a:fld id="{FAA197C4-8783-4A97-B961-8D8D108A6395}" type="datetimeFigureOut">
               <a:rPr lang="en-US" smtClean="0"/>
-              <a:t>9/17/2020</a:t>
+              <a:t>9/18/2020</a:t>
             </a:fld>
             <a:endParaRPr lang="en-US"/>
           </a:p>
@@ -2824,7 +2824,7 @@
           <a:p>
             <a:fld id="{FAA197C4-8783-4A97-B961-8D8D108A6395}" type="datetimeFigureOut">
               <a:rPr lang="en-US" smtClean="0"/>
-              <a:t>9/17/2020</a:t>
+              <a:t>9/18/2020</a:t>
             </a:fld>
             <a:endParaRPr lang="en-US"/>
           </a:p>
@@ -3228,7 +3228,7 @@
           <a:p>
             <a:fld id="{FAA197C4-8783-4A97-B961-8D8D108A6395}" type="datetimeFigureOut">
               <a:rPr lang="en-US" smtClean="0"/>
-              <a:t>9/17/2020</a:t>
+              <a:t>9/18/2020</a:t>
             </a:fld>
             <a:endParaRPr lang="en-US"/>
           </a:p>
@@ -4709,11 +4709,32 @@
               <a:buChar char="-"/>
             </a:pPr>
             <a:r>
+              <a:rPr lang="en-US" smtClean="0">
+                <a:latin typeface="Times New Roman" pitchFamily="18" charset="0"/>
+                <a:cs typeface="Times New Roman" pitchFamily="18" charset="0"/>
+              </a:rPr>
+              <a:t>System </a:t>
+            </a:r>
+            <a:r>
+              <a:rPr lang="en-US" smtClean="0">
+                <a:latin typeface="Times New Roman" pitchFamily="18" charset="0"/>
+                <a:cs typeface="Times New Roman" pitchFamily="18" charset="0"/>
+              </a:rPr>
+              <a:t>Paradigm</a:t>
+            </a:r>
+            <a:r>
+              <a:rPr lang="en-US" smtClean="0">
+                <a:latin typeface="Times New Roman" pitchFamily="18" charset="0"/>
+                <a:cs typeface="Times New Roman" pitchFamily="18" charset="0"/>
+              </a:rPr>
+              <a:t> </a:t>
+            </a:r>
+            <a:r>
               <a:rPr lang="en-US" dirty="0" smtClean="0">
                 <a:latin typeface="Times New Roman" pitchFamily="18" charset="0"/>
                 <a:cs typeface="Times New Roman" pitchFamily="18" charset="0"/>
               </a:rPr>
-              <a:t>System methodology OOAD(Capturing real-world object in current scenario of importance to the system. Data Structures as Opposed to the procedural structure. Objects are identified and their relationship between each other. </a:t>
+              <a:t>OOAD(Capturing real-world object in current scenario of importance to the system. Data Structures as Opposed to the procedural structure. Objects are identified and their relationship between each other. </a:t>
             </a:r>
           </a:p>
           <a:p>
